--- a/sessions/session-11/slides.pptx
+++ b/sessions/session-11/slides.pptx
@@ -4253,7 +4253,7 @@
     <p:bg>
       <p:bgPr>
         <a:solidFill>
-          <a:srgbClr val="FFFFFF"/>
+          <a:srgbClr val="F4F1DE"/>
         </a:solidFill>
       </p:bgPr>
     </p:bg>
@@ -4309,8 +4309,8 @@
         </p:nvSpPr>
         <p:spPr>
           <a:xfrm>
-            <a:off x="355550" y="246013"/>
-            <a:ext cx="6366840" cy="371475"/>
+            <a:off x="457200" y="255538"/>
+            <a:ext cx="5878181" cy="352425"/>
           </a:xfrm>
           <a:prstGeom prst="rect">
             <a:avLst/>
@@ -4326,7 +4326,7 @@
               <a:buNone/>
             </a:pPr>
             <a:r>
-              <a:rPr lang="en-US" sz="2600" b="1" dirty="0">
+              <a:rPr lang="en-US" sz="2400" b="1" dirty="0">
                 <a:solidFill>
                   <a:srgbClr val="FFFFFF"/>
                 </a:solidFill>
@@ -4336,7 +4336,7 @@
               </a:rPr>
               <a:t>Human-in-the-Loop: You Stay in Charge</a:t>
             </a:r>
-            <a:endParaRPr lang="en-US" sz="2600" dirty="0"/>
+            <a:endParaRPr lang="en-US" sz="2400" dirty="0"/>
           </a:p>
         </p:txBody>
       </p:sp>
@@ -4348,8 +4348,8 @@
         </p:nvSpPr>
         <p:spPr>
           <a:xfrm>
-            <a:off x="355550" y="1130052"/>
-            <a:ext cx="8601557" cy="325636"/>
+            <a:off x="457200" y="914251"/>
+            <a:ext cx="8394192" cy="209550"/>
           </a:xfrm>
           <a:prstGeom prst="rect">
             <a:avLst/>
@@ -4362,19 +4362,13 @@
           <a:lstStyle/>
           <a:p>
             <a:pPr algn="l" indent="0" marL="0">
-              <a:lnSpc>
-                <a:spcPts val="2565"/>
-              </a:lnSpc>
-              <a:spcBef>
-                <a:spcPts val="500"/>
-              </a:spcBef>
-              <a:spcAft>
-                <a:spcPts val="500"/>
-              </a:spcAft>
-              <a:buNone/>
-            </a:pPr>
-            <a:r>
-              <a:rPr lang="en-US" sz="1900" b="1" dirty="0">
+              <a:spcAft>
+                <a:spcPts val="200"/>
+              </a:spcAft>
+              <a:buNone/>
+            </a:pPr>
+            <a:r>
+              <a:rPr lang="en-US" sz="1400" b="1" dirty="0">
                 <a:solidFill>
                   <a:srgbClr val="2C2C2C"/>
                 </a:solidFill>
@@ -4384,7 +4378,880 @@
               </a:rPr>
               <a:t>The most important concept in AI tools: HUMAN OVERSIGHT</a:t>
             </a:r>
-            <a:endParaRPr lang="en-US" sz="1900" dirty="0"/>
+            <a:endParaRPr lang="en-US" sz="1400" dirty="0"/>
+          </a:p>
+        </p:txBody>
+      </p:sp>
+      <p:sp>
+        <p:nvSpPr>
+          <p:cNvPr id="5" name="Text 3"/>
+          <p:cNvSpPr/>
+          <p:nvPr/>
+        </p:nvSpPr>
+        <p:spPr>
+          <a:xfrm>
+            <a:off x="457200" y="1174552"/>
+            <a:ext cx="8229600" cy="361652"/>
+          </a:xfrm>
+          <a:prstGeom prst="roundRect">
+            <a:avLst>
+              <a:gd name="adj" fmla="val 14047"/>
+            </a:avLst>
+          </a:prstGeom>
+          <a:solidFill>
+            <a:srgbClr val="1E5128"/>
+          </a:solidFill>
+          <a:ln/>
+        </p:spPr>
+        <p:txBody>
+          <a:bodyPr wrap="square" rtlCol="0" anchor="ctr"/>
+          <a:lstStyle/>
+          <a:p>
+            <a:pPr indent="0" marL="0">
+              <a:buNone/>
+            </a:pPr>
+            <a:endParaRPr lang="en-US" dirty="0"/>
+          </a:p>
+        </p:txBody>
+      </p:sp>
+      <p:sp>
+        <p:nvSpPr>
+          <p:cNvPr id="6" name="Text 4"/>
+          <p:cNvSpPr/>
+          <p:nvPr/>
+        </p:nvSpPr>
+        <p:spPr>
+          <a:xfrm>
+            <a:off x="457200" y="1174552"/>
+            <a:ext cx="2227886" cy="336352"/>
+          </a:xfrm>
+          <a:prstGeom prst="rect">
+            <a:avLst/>
+          </a:prstGeom>
+          <a:noFill/>
+          <a:ln/>
+        </p:spPr>
+        <p:txBody>
+          <a:bodyPr wrap="square" lIns="88900" tIns="63500" rIns="88900" bIns="63500" rtlCol="0" anchor="t"/>
+          <a:lstStyle/>
+          <a:p>
+            <a:pPr algn="l" indent="0" marL="0">
+              <a:spcAft>
+                <a:spcPts val="200"/>
+              </a:spcAft>
+              <a:buNone/>
+            </a:pPr>
+            <a:r>
+              <a:rPr lang="en-US" sz="1400" b="1" dirty="0">
+                <a:solidFill>
+                  <a:srgbClr val="2C2C2C"/>
+                </a:solidFill>
+                <a:latin typeface="Arial" pitchFamily="34" charset="0"/>
+                <a:ea typeface="Arial" pitchFamily="34" charset="-122"/>
+                <a:cs typeface="Arial" pitchFamily="34" charset="-120"/>
+              </a:rPr>
+              <a:t>Principle</a:t>
+            </a:r>
+            <a:endParaRPr lang="en-US" sz="1400" dirty="0"/>
+          </a:p>
+        </p:txBody>
+      </p:sp>
+      <p:sp>
+        <p:nvSpPr>
+          <p:cNvPr id="7" name="Text 5"/>
+          <p:cNvSpPr/>
+          <p:nvPr/>
+        </p:nvSpPr>
+        <p:spPr>
+          <a:xfrm>
+            <a:off x="2641402" y="1174552"/>
+            <a:ext cx="3354884" cy="336352"/>
+          </a:xfrm>
+          <a:prstGeom prst="rect">
+            <a:avLst/>
+          </a:prstGeom>
+          <a:noFill/>
+          <a:ln/>
+        </p:spPr>
+        <p:txBody>
+          <a:bodyPr wrap="square" lIns="88900" tIns="63500" rIns="88900" bIns="63500" rtlCol="0" anchor="t"/>
+          <a:lstStyle/>
+          <a:p>
+            <a:pPr algn="l" indent="0" marL="0">
+              <a:spcAft>
+                <a:spcPts val="200"/>
+              </a:spcAft>
+              <a:buNone/>
+            </a:pPr>
+            <a:r>
+              <a:rPr lang="en-US" sz="1400" b="1" dirty="0">
+                <a:solidFill>
+                  <a:srgbClr val="2C2C2C"/>
+                </a:solidFill>
+                <a:latin typeface="Arial" pitchFamily="34" charset="0"/>
+                <a:ea typeface="Arial" pitchFamily="34" charset="-122"/>
+                <a:cs typeface="Arial" pitchFamily="34" charset="-120"/>
+              </a:rPr>
+              <a:t>What It Means</a:t>
+            </a:r>
+            <a:endParaRPr lang="en-US" sz="1400" dirty="0"/>
+          </a:p>
+        </p:txBody>
+      </p:sp>
+      <p:sp>
+        <p:nvSpPr>
+          <p:cNvPr id="8" name="Text 6"/>
+          <p:cNvSpPr/>
+          <p:nvPr/>
+        </p:nvSpPr>
+        <p:spPr>
+          <a:xfrm>
+            <a:off x="5930503" y="1174552"/>
+            <a:ext cx="2811423" cy="336352"/>
+          </a:xfrm>
+          <a:prstGeom prst="rect">
+            <a:avLst/>
+          </a:prstGeom>
+          <a:noFill/>
+          <a:ln/>
+        </p:spPr>
+        <p:txBody>
+          <a:bodyPr wrap="square" lIns="88900" tIns="63500" rIns="88900" bIns="63500" rtlCol="0" anchor="t"/>
+          <a:lstStyle/>
+          <a:p>
+            <a:pPr algn="l" indent="0" marL="0">
+              <a:spcAft>
+                <a:spcPts val="200"/>
+              </a:spcAft>
+              <a:buNone/>
+            </a:pPr>
+            <a:r>
+              <a:rPr lang="en-US" sz="1400" b="1" dirty="0">
+                <a:solidFill>
+                  <a:srgbClr val="2C2C2C"/>
+                </a:solidFill>
+                <a:latin typeface="Arial" pitchFamily="34" charset="0"/>
+                <a:ea typeface="Arial" pitchFamily="34" charset="-122"/>
+                <a:cs typeface="Arial" pitchFamily="34" charset="-120"/>
+              </a:rPr>
+              <a:t>Farm Analogy</a:t>
+            </a:r>
+            <a:endParaRPr lang="en-US" sz="1400" dirty="0"/>
+          </a:p>
+        </p:txBody>
+      </p:sp>
+      <p:sp>
+        <p:nvSpPr>
+          <p:cNvPr id="9" name="Text 7"/>
+          <p:cNvSpPr/>
+          <p:nvPr/>
+        </p:nvSpPr>
+        <p:spPr>
+          <a:xfrm>
+            <a:off x="457200" y="1536204"/>
+            <a:ext cx="8229600" cy="555427"/>
+          </a:xfrm>
+          <a:prstGeom prst="rect">
+            <a:avLst/>
+          </a:prstGeom>
+          <a:solidFill>
+            <a:srgbClr val="F4F1DE"/>
+          </a:solidFill>
+          <a:ln/>
+        </p:spPr>
+        <p:txBody>
+          <a:bodyPr wrap="square" rtlCol="0" anchor="ctr"/>
+          <a:lstStyle/>
+          <a:p>
+            <a:pPr indent="0" marL="0">
+              <a:buNone/>
+            </a:pPr>
+            <a:endParaRPr lang="en-US" dirty="0"/>
+          </a:p>
+        </p:txBody>
+      </p:sp>
+      <p:sp>
+        <p:nvSpPr>
+          <p:cNvPr id="10" name="Shape 8"/>
+          <p:cNvSpPr/>
+          <p:nvPr/>
+        </p:nvSpPr>
+        <p:spPr>
+          <a:xfrm>
+            <a:off x="457200" y="2086868"/>
+            <a:ext cx="8229600" cy="0"/>
+          </a:xfrm>
+          <a:prstGeom prst="line">
+            <a:avLst/>
+          </a:prstGeom>
+          <a:noFill/>
+          <a:ln w="9525">
+            <a:solidFill>
+              <a:srgbClr val="CCCCCC"/>
+            </a:solidFill>
+            <a:prstDash val="solid"/>
+          </a:ln>
+        </p:spPr>
+      </p:sp>
+      <p:sp>
+        <p:nvSpPr>
+          <p:cNvPr id="11" name="Text 9"/>
+          <p:cNvSpPr/>
+          <p:nvPr/>
+        </p:nvSpPr>
+        <p:spPr>
+          <a:xfrm>
+            <a:off x="457200" y="1536204"/>
+            <a:ext cx="2227886" cy="520601"/>
+          </a:xfrm>
+          <a:prstGeom prst="rect">
+            <a:avLst/>
+          </a:prstGeom>
+          <a:noFill/>
+          <a:ln/>
+        </p:spPr>
+        <p:txBody>
+          <a:bodyPr wrap="square" lIns="88900" tIns="50800" rIns="88900" bIns="50800" rtlCol="0" anchor="t"/>
+          <a:lstStyle/>
+          <a:p>
+            <a:pPr algn="l" indent="0" marL="0">
+              <a:spcAft>
+                <a:spcPts val="200"/>
+              </a:spcAft>
+              <a:buNone/>
+            </a:pPr>
+            <a:r>
+              <a:rPr lang="en-US" sz="1400" b="1" dirty="0">
+                <a:solidFill>
+                  <a:srgbClr val="2C2C2C"/>
+                </a:solidFill>
+                <a:latin typeface="Arial" pitchFamily="34" charset="0"/>
+                <a:ea typeface="Arial" pitchFamily="34" charset="-122"/>
+                <a:cs typeface="Arial" pitchFamily="34" charset="-120"/>
+              </a:rPr>
+              <a:t>Human-in-the-loop</a:t>
+            </a:r>
+            <a:endParaRPr lang="en-US" sz="1400" dirty="0"/>
+          </a:p>
+        </p:txBody>
+      </p:sp>
+      <p:sp>
+        <p:nvSpPr>
+          <p:cNvPr id="12" name="Text 10"/>
+          <p:cNvSpPr/>
+          <p:nvPr/>
+        </p:nvSpPr>
+        <p:spPr>
+          <a:xfrm>
+            <a:off x="2641402" y="1536204"/>
+            <a:ext cx="3354884" cy="520601"/>
+          </a:xfrm>
+          <a:prstGeom prst="rect">
+            <a:avLst/>
+          </a:prstGeom>
+          <a:noFill/>
+          <a:ln/>
+        </p:spPr>
+        <p:txBody>
+          <a:bodyPr wrap="square" lIns="88900" tIns="50800" rIns="88900" bIns="50800" rtlCol="0" anchor="t"/>
+          <a:lstStyle/>
+          <a:p>
+            <a:pPr algn="l" indent="0" marL="0">
+              <a:spcAft>
+                <a:spcPts val="200"/>
+              </a:spcAft>
+              <a:buNone/>
+            </a:pPr>
+            <a:r>
+              <a:rPr lang="en-US" sz="1400" dirty="0">
+                <a:solidFill>
+                  <a:srgbClr val="2C2C2C"/>
+                </a:solidFill>
+                <a:latin typeface="Arial" pitchFamily="34" charset="0"/>
+                <a:ea typeface="Arial" pitchFamily="34" charset="-122"/>
+                <a:cs typeface="Arial" pitchFamily="34" charset="-120"/>
+              </a:rPr>
+              <a:t>A person reviews AI work before it takes effect</a:t>
+            </a:r>
+            <a:endParaRPr lang="en-US" sz="1400" dirty="0"/>
+          </a:p>
+        </p:txBody>
+      </p:sp>
+      <p:sp>
+        <p:nvSpPr>
+          <p:cNvPr id="13" name="Text 11"/>
+          <p:cNvSpPr/>
+          <p:nvPr/>
+        </p:nvSpPr>
+        <p:spPr>
+          <a:xfrm>
+            <a:off x="5930503" y="1536204"/>
+            <a:ext cx="2811423" cy="520601"/>
+          </a:xfrm>
+          <a:prstGeom prst="rect">
+            <a:avLst/>
+          </a:prstGeom>
+          <a:noFill/>
+          <a:ln/>
+        </p:spPr>
+        <p:txBody>
+          <a:bodyPr wrap="square" lIns="88900" tIns="50800" rIns="88900" bIns="50800" rtlCol="0" anchor="t"/>
+          <a:lstStyle/>
+          <a:p>
+            <a:pPr algn="l" indent="0" marL="0">
+              <a:spcAft>
+                <a:spcPts val="200"/>
+              </a:spcAft>
+              <a:buNone/>
+            </a:pPr>
+            <a:r>
+              <a:rPr lang="en-US" sz="1400" dirty="0">
+                <a:solidFill>
+                  <a:srgbClr val="2C2C2C"/>
+                </a:solidFill>
+                <a:latin typeface="Arial" pitchFamily="34" charset="0"/>
+                <a:ea typeface="Arial" pitchFamily="34" charset="-122"/>
+                <a:cs typeface="Arial" pitchFamily="34" charset="-120"/>
+              </a:rPr>
+              <a:t>Checking the farmhand's work before signing off</a:t>
+            </a:r>
+            <a:endParaRPr lang="en-US" sz="1400" dirty="0"/>
+          </a:p>
+        </p:txBody>
+      </p:sp>
+      <p:sp>
+        <p:nvSpPr>
+          <p:cNvPr id="14" name="Text 12"/>
+          <p:cNvSpPr/>
+          <p:nvPr/>
+        </p:nvSpPr>
+        <p:spPr>
+          <a:xfrm>
+            <a:off x="457200" y="2091630"/>
+            <a:ext cx="8229600" cy="555427"/>
+          </a:xfrm>
+          <a:prstGeom prst="rect">
+            <a:avLst/>
+          </a:prstGeom>
+          <a:solidFill>
+            <a:srgbClr val="FFFFFF"/>
+          </a:solidFill>
+          <a:ln/>
+        </p:spPr>
+        <p:txBody>
+          <a:bodyPr wrap="square" rtlCol="0" anchor="ctr"/>
+          <a:lstStyle/>
+          <a:p>
+            <a:pPr indent="0" marL="0">
+              <a:buNone/>
+            </a:pPr>
+            <a:endParaRPr lang="en-US" dirty="0"/>
+          </a:p>
+        </p:txBody>
+      </p:sp>
+      <p:sp>
+        <p:nvSpPr>
+          <p:cNvPr id="15" name="Shape 13"/>
+          <p:cNvSpPr/>
+          <p:nvPr/>
+        </p:nvSpPr>
+        <p:spPr>
+          <a:xfrm>
+            <a:off x="457200" y="2642295"/>
+            <a:ext cx="8229600" cy="0"/>
+          </a:xfrm>
+          <a:prstGeom prst="line">
+            <a:avLst/>
+          </a:prstGeom>
+          <a:noFill/>
+          <a:ln w="9525">
+            <a:solidFill>
+              <a:srgbClr val="CCCCCC"/>
+            </a:solidFill>
+            <a:prstDash val="solid"/>
+          </a:ln>
+        </p:spPr>
+      </p:sp>
+      <p:sp>
+        <p:nvSpPr>
+          <p:cNvPr id="16" name="Text 14"/>
+          <p:cNvSpPr/>
+          <p:nvPr/>
+        </p:nvSpPr>
+        <p:spPr>
+          <a:xfrm>
+            <a:off x="457200" y="2091630"/>
+            <a:ext cx="2227886" cy="520601"/>
+          </a:xfrm>
+          <a:prstGeom prst="rect">
+            <a:avLst/>
+          </a:prstGeom>
+          <a:noFill/>
+          <a:ln/>
+        </p:spPr>
+        <p:txBody>
+          <a:bodyPr wrap="square" lIns="88900" tIns="50800" rIns="88900" bIns="50800" rtlCol="0" anchor="t"/>
+          <a:lstStyle/>
+          <a:p>
+            <a:pPr algn="l" indent="0" marL="0">
+              <a:spcAft>
+                <a:spcPts val="200"/>
+              </a:spcAft>
+              <a:buNone/>
+            </a:pPr>
+            <a:r>
+              <a:rPr lang="en-US" sz="1400" b="1" dirty="0">
+                <a:solidFill>
+                  <a:srgbClr val="2C2C2C"/>
+                </a:solidFill>
+                <a:latin typeface="Arial" pitchFamily="34" charset="0"/>
+                <a:ea typeface="Arial" pitchFamily="34" charset="-122"/>
+                <a:cs typeface="Arial" pitchFamily="34" charset="-120"/>
+              </a:rPr>
+              <a:t>Guardrails</a:t>
+            </a:r>
+            <a:endParaRPr lang="en-US" sz="1400" dirty="0"/>
+          </a:p>
+        </p:txBody>
+      </p:sp>
+      <p:sp>
+        <p:nvSpPr>
+          <p:cNvPr id="17" name="Text 15"/>
+          <p:cNvSpPr/>
+          <p:nvPr/>
+        </p:nvSpPr>
+        <p:spPr>
+          <a:xfrm>
+            <a:off x="2641402" y="2091630"/>
+            <a:ext cx="3354884" cy="520601"/>
+          </a:xfrm>
+          <a:prstGeom prst="rect">
+            <a:avLst/>
+          </a:prstGeom>
+          <a:noFill/>
+          <a:ln/>
+        </p:spPr>
+        <p:txBody>
+          <a:bodyPr wrap="square" lIns="88900" tIns="50800" rIns="88900" bIns="50800" rtlCol="0" anchor="t"/>
+          <a:lstStyle/>
+          <a:p>
+            <a:pPr algn="l" indent="0" marL="0">
+              <a:spcAft>
+                <a:spcPts val="200"/>
+              </a:spcAft>
+              <a:buNone/>
+            </a:pPr>
+            <a:r>
+              <a:rPr lang="en-US" sz="1400" dirty="0">
+                <a:solidFill>
+                  <a:srgbClr val="2C2C2C"/>
+                </a:solidFill>
+                <a:latin typeface="Arial" pitchFamily="34" charset="0"/>
+                <a:ea typeface="Arial" pitchFamily="34" charset="-122"/>
+                <a:cs typeface="Arial" pitchFamily="34" charset="-120"/>
+              </a:rPr>
+              <a:t>Limits on what AI can do without asking</a:t>
+            </a:r>
+            <a:endParaRPr lang="en-US" sz="1400" dirty="0"/>
+          </a:p>
+        </p:txBody>
+      </p:sp>
+      <p:sp>
+        <p:nvSpPr>
+          <p:cNvPr id="18" name="Text 16"/>
+          <p:cNvSpPr/>
+          <p:nvPr/>
+        </p:nvSpPr>
+        <p:spPr>
+          <a:xfrm>
+            <a:off x="5930503" y="2091630"/>
+            <a:ext cx="2811423" cy="520601"/>
+          </a:xfrm>
+          <a:prstGeom prst="rect">
+            <a:avLst/>
+          </a:prstGeom>
+          <a:noFill/>
+          <a:ln/>
+        </p:spPr>
+        <p:txBody>
+          <a:bodyPr wrap="square" lIns="88900" tIns="50800" rIns="88900" bIns="50800" rtlCol="0" anchor="t"/>
+          <a:lstStyle/>
+          <a:p>
+            <a:pPr algn="l" indent="0" marL="0">
+              <a:spcAft>
+                <a:spcPts val="200"/>
+              </a:spcAft>
+              <a:buNone/>
+            </a:pPr>
+            <a:r>
+              <a:rPr lang="en-US" sz="1400" dirty="0">
+                <a:solidFill>
+                  <a:srgbClr val="2C2C2C"/>
+                </a:solidFill>
+                <a:latin typeface="Arial" pitchFamily="34" charset="0"/>
+                <a:ea typeface="Arial" pitchFamily="34" charset="-122"/>
+                <a:cs typeface="Arial" pitchFamily="34" charset="-120"/>
+              </a:rPr>
+              <a:t>A fence that keeps the farmhand in the right pasture</a:t>
+            </a:r>
+            <a:endParaRPr lang="en-US" sz="1400" dirty="0"/>
+          </a:p>
+        </p:txBody>
+      </p:sp>
+      <p:sp>
+        <p:nvSpPr>
+          <p:cNvPr id="19" name="Text 17"/>
+          <p:cNvSpPr/>
+          <p:nvPr/>
+        </p:nvSpPr>
+        <p:spPr>
+          <a:xfrm>
+            <a:off x="457200" y="2647057"/>
+            <a:ext cx="8229600" cy="555427"/>
+          </a:xfrm>
+          <a:prstGeom prst="rect">
+            <a:avLst/>
+          </a:prstGeom>
+          <a:solidFill>
+            <a:srgbClr val="F4F1DE"/>
+          </a:solidFill>
+          <a:ln/>
+        </p:spPr>
+        <p:txBody>
+          <a:bodyPr wrap="square" rtlCol="0" anchor="ctr"/>
+          <a:lstStyle/>
+          <a:p>
+            <a:pPr indent="0" marL="0">
+              <a:buNone/>
+            </a:pPr>
+            <a:endParaRPr lang="en-US" dirty="0"/>
+          </a:p>
+        </p:txBody>
+      </p:sp>
+      <p:sp>
+        <p:nvSpPr>
+          <p:cNvPr id="20" name="Shape 18"/>
+          <p:cNvSpPr/>
+          <p:nvPr/>
+        </p:nvSpPr>
+        <p:spPr>
+          <a:xfrm>
+            <a:off x="457200" y="3197721"/>
+            <a:ext cx="8229600" cy="0"/>
+          </a:xfrm>
+          <a:prstGeom prst="line">
+            <a:avLst/>
+          </a:prstGeom>
+          <a:noFill/>
+          <a:ln w="9525">
+            <a:solidFill>
+              <a:srgbClr val="CCCCCC"/>
+            </a:solidFill>
+            <a:prstDash val="solid"/>
+          </a:ln>
+        </p:spPr>
+      </p:sp>
+      <p:sp>
+        <p:nvSpPr>
+          <p:cNvPr id="21" name="Text 19"/>
+          <p:cNvSpPr/>
+          <p:nvPr/>
+        </p:nvSpPr>
+        <p:spPr>
+          <a:xfrm>
+            <a:off x="457200" y="2647057"/>
+            <a:ext cx="2227886" cy="520601"/>
+          </a:xfrm>
+          <a:prstGeom prst="rect">
+            <a:avLst/>
+          </a:prstGeom>
+          <a:noFill/>
+          <a:ln/>
+        </p:spPr>
+        <p:txBody>
+          <a:bodyPr wrap="square" lIns="88900" tIns="50800" rIns="88900" bIns="50800" rtlCol="0" anchor="t"/>
+          <a:lstStyle/>
+          <a:p>
+            <a:pPr algn="l" indent="0" marL="0">
+              <a:spcAft>
+                <a:spcPts val="200"/>
+              </a:spcAft>
+              <a:buNone/>
+            </a:pPr>
+            <a:r>
+              <a:rPr lang="en-US" sz="1400" b="1" dirty="0">
+                <a:solidFill>
+                  <a:srgbClr val="2C2C2C"/>
+                </a:solidFill>
+                <a:latin typeface="Arial" pitchFamily="34" charset="0"/>
+                <a:ea typeface="Arial" pitchFamily="34" charset="-122"/>
+                <a:cs typeface="Arial" pitchFamily="34" charset="-120"/>
+              </a:rPr>
+              <a:t>Approval gates</a:t>
+            </a:r>
+            <a:endParaRPr lang="en-US" sz="1400" dirty="0"/>
+          </a:p>
+        </p:txBody>
+      </p:sp>
+      <p:sp>
+        <p:nvSpPr>
+          <p:cNvPr id="22" name="Text 20"/>
+          <p:cNvSpPr/>
+          <p:nvPr/>
+        </p:nvSpPr>
+        <p:spPr>
+          <a:xfrm>
+            <a:off x="2641402" y="2647057"/>
+            <a:ext cx="3354884" cy="520601"/>
+          </a:xfrm>
+          <a:prstGeom prst="rect">
+            <a:avLst/>
+          </a:prstGeom>
+          <a:noFill/>
+          <a:ln/>
+        </p:spPr>
+        <p:txBody>
+          <a:bodyPr wrap="square" lIns="88900" tIns="50800" rIns="88900" bIns="50800" rtlCol="0" anchor="t"/>
+          <a:lstStyle/>
+          <a:p>
+            <a:pPr algn="l" indent="0" marL="0">
+              <a:spcAft>
+                <a:spcPts val="200"/>
+              </a:spcAft>
+              <a:buNone/>
+            </a:pPr>
+            <a:r>
+              <a:rPr lang="en-US" sz="1400" dirty="0">
+                <a:solidFill>
+                  <a:srgbClr val="2C2C2C"/>
+                </a:solidFill>
+                <a:latin typeface="Arial" pitchFamily="34" charset="0"/>
+                <a:ea typeface="Arial" pitchFamily="34" charset="-122"/>
+                <a:cs typeface="Arial" pitchFamily="34" charset="-120"/>
+              </a:rPr>
+              <a:t>Points where you must say “yes” before AI continues</a:t>
+            </a:r>
+            <a:endParaRPr lang="en-US" sz="1400" dirty="0"/>
+          </a:p>
+        </p:txBody>
+      </p:sp>
+      <p:sp>
+        <p:nvSpPr>
+          <p:cNvPr id="23" name="Text 21"/>
+          <p:cNvSpPr/>
+          <p:nvPr/>
+        </p:nvSpPr>
+        <p:spPr>
+          <a:xfrm>
+            <a:off x="5930503" y="2647057"/>
+            <a:ext cx="2811423" cy="520601"/>
+          </a:xfrm>
+          <a:prstGeom prst="rect">
+            <a:avLst/>
+          </a:prstGeom>
+          <a:noFill/>
+          <a:ln/>
+        </p:spPr>
+        <p:txBody>
+          <a:bodyPr wrap="square" lIns="88900" tIns="50800" rIns="88900" bIns="50800" rtlCol="0" anchor="t"/>
+          <a:lstStyle/>
+          <a:p>
+            <a:pPr algn="l" indent="0" marL="0">
+              <a:spcAft>
+                <a:spcPts val="200"/>
+              </a:spcAft>
+              <a:buNone/>
+            </a:pPr>
+            <a:r>
+              <a:rPr lang="en-US" sz="1400" dirty="0">
+                <a:solidFill>
+                  <a:srgbClr val="2C2C2C"/>
+                </a:solidFill>
+                <a:latin typeface="Arial" pitchFamily="34" charset="0"/>
+                <a:ea typeface="Arial" pitchFamily="34" charset="-122"/>
+                <a:cs typeface="Arial" pitchFamily="34" charset="-120"/>
+              </a:rPr>
+              <a:t>Farmhand asks permission before buying supplies</a:t>
+            </a:r>
+            <a:endParaRPr lang="en-US" sz="1400" dirty="0"/>
+          </a:p>
+        </p:txBody>
+      </p:sp>
+      <p:sp>
+        <p:nvSpPr>
+          <p:cNvPr id="24" name="Text 22"/>
+          <p:cNvSpPr/>
+          <p:nvPr/>
+        </p:nvSpPr>
+        <p:spPr>
+          <a:xfrm>
+            <a:off x="457200" y="3253234"/>
+            <a:ext cx="8394192" cy="209550"/>
+          </a:xfrm>
+          <a:prstGeom prst="rect">
+            <a:avLst/>
+          </a:prstGeom>
+          <a:noFill/>
+          <a:ln/>
+        </p:spPr>
+        <p:txBody>
+          <a:bodyPr wrap="square" lIns="0" tIns="0" rIns="0" bIns="0" rtlCol="0" anchor="t"/>
+          <a:lstStyle/>
+          <a:p>
+            <a:pPr algn="l" indent="0" marL="0">
+              <a:spcAft>
+                <a:spcPts val="200"/>
+              </a:spcAft>
+              <a:buNone/>
+            </a:pPr>
+            <a:r>
+              <a:rPr lang="en-US" sz="1400" b="1" dirty="0">
+                <a:solidFill>
+                  <a:srgbClr val="2C2C2C"/>
+                </a:solidFill>
+                <a:latin typeface="Arial" pitchFamily="34" charset="0"/>
+                <a:ea typeface="Arial" pitchFamily="34" charset="-122"/>
+                <a:cs typeface="Arial" pitchFamily="34" charset="-120"/>
+              </a:rPr>
+              <a:t>Why this matters:</a:t>
+            </a:r>
+            <a:endParaRPr lang="en-US" sz="1400" dirty="0"/>
+          </a:p>
+        </p:txBody>
+      </p:sp>
+      <p:sp>
+        <p:nvSpPr>
+          <p:cNvPr id="25" name="Text 23"/>
+          <p:cNvSpPr/>
+          <p:nvPr/>
+        </p:nvSpPr>
+        <p:spPr>
+          <a:xfrm>
+            <a:off x="457200" y="3488085"/>
+            <a:ext cx="8229600" cy="838200"/>
+          </a:xfrm>
+          <a:prstGeom prst="rect">
+            <a:avLst/>
+          </a:prstGeom>
+          <a:noFill/>
+          <a:ln/>
+        </p:spPr>
+        <p:txBody>
+          <a:bodyPr wrap="square" lIns="152400" tIns="0" rIns="0" bIns="0" rtlCol="0" anchor="t"/>
+          <a:lstStyle/>
+          <a:p>
+            <a:pPr algn="l" marL="152400" indent="-152400">
+              <a:buSzPct val="100000"/>
+              <a:buChar char="•"/>
+            </a:pPr>
+            <a:r>
+              <a:rPr lang="en-US" sz="1400" dirty="0">
+                <a:solidFill>
+                  <a:srgbClr val="2C2C2C"/>
+                </a:solidFill>
+                <a:latin typeface="Arial" pitchFamily="34" charset="0"/>
+                <a:ea typeface="Arial" pitchFamily="34" charset="-122"/>
+                <a:cs typeface="Arial" pitchFamily="34" charset="-120"/>
+              </a:rPr>
+              <a:t>AI tools are powerful but not perfect</a:t>
+            </a:r>
+            <a:endParaRPr lang="en-US" sz="1400" dirty="0"/>
+          </a:p>
+          <a:p>
+            <a:pPr algn="l" marL="152400" indent="-152400">
+              <a:buSzPct val="100000"/>
+              <a:buChar char="•"/>
+            </a:pPr>
+            <a:r>
+              <a:rPr lang="en-US" sz="1400" dirty="0">
+                <a:solidFill>
+                  <a:srgbClr val="2C2C2C"/>
+                </a:solidFill>
+                <a:latin typeface="Arial" pitchFamily="34" charset="0"/>
+                <a:ea typeface="Arial" pitchFamily="34" charset="-122"/>
+                <a:cs typeface="Arial" pitchFamily="34" charset="-120"/>
+              </a:rPr>
+              <a:t>Mistakes are easier to prevent than to fix</a:t>
+            </a:r>
+            <a:endParaRPr lang="en-US" sz="1400" dirty="0"/>
+          </a:p>
+          <a:p>
+            <a:pPr algn="l" marL="152400" indent="-152400">
+              <a:buSzPct val="100000"/>
+              <a:buChar char="•"/>
+            </a:pPr>
+            <a:r>
+              <a:rPr lang="en-US" sz="1400" dirty="0">
+                <a:solidFill>
+                  <a:srgbClr val="2C2C2C"/>
+                </a:solidFill>
+                <a:latin typeface="Arial" pitchFamily="34" charset="0"/>
+                <a:ea typeface="Arial" pitchFamily="34" charset="-122"/>
+                <a:cs typeface="Arial" pitchFamily="34" charset="-120"/>
+              </a:rPr>
+              <a:t>Your farming expertise is what makes AI output useful</a:t>
+            </a:r>
+            <a:endParaRPr lang="en-US" sz="1400" dirty="0"/>
+          </a:p>
+          <a:p>
+            <a:pPr algn="l" marL="152400" indent="-152400">
+              <a:buSzPct val="100000"/>
+              <a:buChar char="•"/>
+            </a:pPr>
+            <a:r>
+              <a:rPr lang="en-US" sz="1400" dirty="0">
+                <a:solidFill>
+                  <a:srgbClr val="2C2C2C"/>
+                </a:solidFill>
+                <a:latin typeface="Arial" pitchFamily="34" charset="0"/>
+                <a:ea typeface="Arial" pitchFamily="34" charset="-122"/>
+                <a:cs typeface="Arial" pitchFamily="34" charset="-120"/>
+              </a:rPr>
+              <a:t>Trust is built gradually — start with small tasks and verify results</a:t>
+            </a:r>
+            <a:endParaRPr lang="en-US" sz="1400" dirty="0"/>
+          </a:p>
+        </p:txBody>
+      </p:sp>
+      <p:sp>
+        <p:nvSpPr>
+          <p:cNvPr id="26" name="Text 24"/>
+          <p:cNvSpPr/>
+          <p:nvPr/>
+        </p:nvSpPr>
+        <p:spPr>
+          <a:xfrm>
+            <a:off x="457200" y="4351586"/>
+            <a:ext cx="8394192" cy="209550"/>
+          </a:xfrm>
+          <a:prstGeom prst="rect">
+            <a:avLst/>
+          </a:prstGeom>
+          <a:noFill/>
+          <a:ln/>
+        </p:spPr>
+        <p:txBody>
+          <a:bodyPr wrap="square" lIns="0" tIns="0" rIns="0" bIns="0" rtlCol="0" anchor="t"/>
+          <a:lstStyle/>
+          <a:p>
+            <a:pPr algn="l" indent="0" marL="0">
+              <a:spcAft>
+                <a:spcPts val="200"/>
+              </a:spcAft>
+              <a:buNone/>
+            </a:pPr>
+            <a:r>
+              <a:rPr lang="en-US" sz="1400" b="1" dirty="0">
+                <a:solidFill>
+                  <a:srgbClr val="2C2C2C"/>
+                </a:solidFill>
+                <a:latin typeface="Arial" pitchFamily="34" charset="0"/>
+                <a:ea typeface="Arial" pitchFamily="34" charset="-122"/>
+                <a:cs typeface="Arial" pitchFamily="34" charset="-120"/>
+              </a:rPr>
+              <a:t>You wouldn't hand the farm keys to someone on their first day. Same idea with agents.</a:t>
+            </a:r>
+            <a:endParaRPr lang="en-US" sz="1400" dirty="0"/>
           </a:p>
         </p:txBody>
       </p:sp>
@@ -4402,7 +5269,7 @@
     <p:bg>
       <p:bgPr>
         <a:solidFill>
-          <a:srgbClr val="FFFFFF"/>
+          <a:srgbClr val="F4F1DE"/>
         </a:solidFill>
       </p:bgPr>
     </p:bg>
@@ -4429,7 +5296,7 @@
         <p:spPr>
           <a:xfrm>
             <a:off x="0" y="0"/>
-            <a:ext cx="9144000" cy="863501"/>
+            <a:ext cx="9144000" cy="914102"/>
           </a:xfrm>
           <a:prstGeom prst="rect">
             <a:avLst/>
@@ -4458,7 +5325,7 @@
         </p:nvSpPr>
         <p:spPr>
           <a:xfrm>
-            <a:off x="355550" y="246013"/>
+            <a:off x="457200" y="271314"/>
             <a:ext cx="3991097" cy="371475"/>
           </a:xfrm>
           <a:prstGeom prst="rect">
@@ -4497,8 +5364,8 @@
         </p:nvSpPr>
         <p:spPr>
           <a:xfrm>
-            <a:off x="355550" y="1130052"/>
-            <a:ext cx="8601557" cy="325636"/>
+            <a:off x="457200" y="1041053"/>
+            <a:ext cx="8394192" cy="209550"/>
           </a:xfrm>
           <a:prstGeom prst="rect">
             <a:avLst/>
@@ -4511,19 +5378,13 @@
           <a:lstStyle/>
           <a:p>
             <a:pPr algn="l" indent="0" marL="0">
-              <a:lnSpc>
-                <a:spcPts val="2565"/>
-              </a:lnSpc>
-              <a:spcBef>
-                <a:spcPts val="500"/>
-              </a:spcBef>
-              <a:spcAft>
-                <a:spcPts val="500"/>
-              </a:spcAft>
-              <a:buNone/>
-            </a:pPr>
-            <a:r>
-              <a:rPr lang="en-US" sz="1900" b="1" dirty="0">
+              <a:spcAft>
+                <a:spcPts val="400"/>
+              </a:spcAft>
+              <a:buNone/>
+            </a:pPr>
+            <a:r>
+              <a:rPr lang="en-US" sz="1400" b="1" dirty="0">
                 <a:solidFill>
                   <a:srgbClr val="2C2C2C"/>
                 </a:solidFill>
@@ -4533,7 +5394,997 @@
               </a:rPr>
               <a:t>Three levels of AI help, from simple to advanced:</a:t>
             </a:r>
-            <a:endParaRPr lang="en-US" sz="1900" dirty="0"/>
+            <a:endParaRPr lang="en-US" sz="1400" dirty="0"/>
+          </a:p>
+        </p:txBody>
+      </p:sp>
+      <p:sp>
+        <p:nvSpPr>
+          <p:cNvPr id="5" name="Text 3"/>
+          <p:cNvSpPr/>
+          <p:nvPr/>
+        </p:nvSpPr>
+        <p:spPr>
+          <a:xfrm>
+            <a:off x="457200" y="1301353"/>
+            <a:ext cx="8229600" cy="387102"/>
+          </a:xfrm>
+          <a:prstGeom prst="roundRect">
+            <a:avLst>
+              <a:gd name="adj" fmla="val 13123"/>
+            </a:avLst>
+          </a:prstGeom>
+          <a:solidFill>
+            <a:srgbClr val="1E5128"/>
+          </a:solidFill>
+          <a:ln/>
+        </p:spPr>
+        <p:txBody>
+          <a:bodyPr wrap="square" rtlCol="0" anchor="ctr"/>
+          <a:lstStyle/>
+          <a:p>
+            <a:pPr indent="0" marL="0">
+              <a:buNone/>
+            </a:pPr>
+            <a:endParaRPr lang="en-US" dirty="0"/>
+          </a:p>
+        </p:txBody>
+      </p:sp>
+      <p:sp>
+        <p:nvSpPr>
+          <p:cNvPr id="6" name="Text 4"/>
+          <p:cNvSpPr/>
+          <p:nvPr/>
+        </p:nvSpPr>
+        <p:spPr>
+          <a:xfrm>
+            <a:off x="457200" y="1301353"/>
+            <a:ext cx="1347115" cy="336352"/>
+          </a:xfrm>
+          <a:prstGeom prst="rect">
+            <a:avLst/>
+          </a:prstGeom>
+          <a:noFill/>
+          <a:ln/>
+        </p:spPr>
+        <p:txBody>
+          <a:bodyPr wrap="square" lIns="88900" tIns="63500" rIns="88900" bIns="63500" rtlCol="0" anchor="t"/>
+          <a:lstStyle/>
+          <a:p>
+            <a:pPr algn="l" indent="0" marL="0">
+              <a:spcAft>
+                <a:spcPts val="400"/>
+              </a:spcAft>
+              <a:buNone/>
+            </a:pPr>
+            <a:r>
+              <a:rPr lang="en-US" sz="1400" b="1" dirty="0">
+                <a:solidFill>
+                  <a:srgbClr val="2C2C2C"/>
+                </a:solidFill>
+                <a:latin typeface="Arial" pitchFamily="34" charset="0"/>
+                <a:ea typeface="Arial" pitchFamily="34" charset="-122"/>
+                <a:cs typeface="Arial" pitchFamily="34" charset="-120"/>
+              </a:rPr>
+              <a:t>Tool</a:t>
+            </a:r>
+            <a:endParaRPr lang="en-US" sz="1400" dirty="0"/>
+          </a:p>
+        </p:txBody>
+      </p:sp>
+      <p:sp>
+        <p:nvSpPr>
+          <p:cNvPr id="7" name="Text 5"/>
+          <p:cNvSpPr/>
+          <p:nvPr/>
+        </p:nvSpPr>
+        <p:spPr>
+          <a:xfrm>
+            <a:off x="1777901" y="1301353"/>
+            <a:ext cx="2383334" cy="336352"/>
+          </a:xfrm>
+          <a:prstGeom prst="rect">
+            <a:avLst/>
+          </a:prstGeom>
+          <a:noFill/>
+          <a:ln/>
+        </p:spPr>
+        <p:txBody>
+          <a:bodyPr wrap="square" lIns="88900" tIns="63500" rIns="88900" bIns="63500" rtlCol="0" anchor="t"/>
+          <a:lstStyle/>
+          <a:p>
+            <a:pPr algn="l" indent="0" marL="0">
+              <a:spcAft>
+                <a:spcPts val="400"/>
+              </a:spcAft>
+              <a:buNone/>
+            </a:pPr>
+            <a:r>
+              <a:rPr lang="en-US" sz="1400" b="1" dirty="0">
+                <a:solidFill>
+                  <a:srgbClr val="2C2C2C"/>
+                </a:solidFill>
+                <a:latin typeface="Arial" pitchFamily="34" charset="0"/>
+                <a:ea typeface="Arial" pitchFamily="34" charset="-122"/>
+                <a:cs typeface="Arial" pitchFamily="34" charset="-120"/>
+              </a:rPr>
+              <a:t>What It Does</a:t>
+            </a:r>
+            <a:endParaRPr lang="en-US" sz="1400" dirty="0"/>
+          </a:p>
+        </p:txBody>
+      </p:sp>
+      <p:sp>
+        <p:nvSpPr>
+          <p:cNvPr id="8" name="Text 6"/>
+          <p:cNvSpPr/>
+          <p:nvPr/>
+        </p:nvSpPr>
+        <p:spPr>
+          <a:xfrm>
+            <a:off x="4114502" y="1301353"/>
+            <a:ext cx="3031084" cy="336352"/>
+          </a:xfrm>
+          <a:prstGeom prst="rect">
+            <a:avLst/>
+          </a:prstGeom>
+          <a:noFill/>
+          <a:ln/>
+        </p:spPr>
+        <p:txBody>
+          <a:bodyPr wrap="square" lIns="88900" tIns="63500" rIns="88900" bIns="63500" rtlCol="0" anchor="t"/>
+          <a:lstStyle/>
+          <a:p>
+            <a:pPr algn="l" indent="0" marL="0">
+              <a:spcAft>
+                <a:spcPts val="400"/>
+              </a:spcAft>
+              <a:buNone/>
+            </a:pPr>
+            <a:r>
+              <a:rPr lang="en-US" sz="1400" b="1" dirty="0">
+                <a:solidFill>
+                  <a:srgbClr val="2C2C2C"/>
+                </a:solidFill>
+                <a:latin typeface="Arial" pitchFamily="34" charset="0"/>
+                <a:ea typeface="Arial" pitchFamily="34" charset="-122"/>
+                <a:cs typeface="Arial" pitchFamily="34" charset="-120"/>
+              </a:rPr>
+              <a:t>Farm Analogy</a:t>
+            </a:r>
+            <a:endParaRPr lang="en-US" sz="1400" dirty="0"/>
+          </a:p>
+        </p:txBody>
+      </p:sp>
+      <p:sp>
+        <p:nvSpPr>
+          <p:cNvPr id="9" name="Text 7"/>
+          <p:cNvSpPr/>
+          <p:nvPr/>
+        </p:nvSpPr>
+        <p:spPr>
+          <a:xfrm>
+            <a:off x="7086154" y="1301353"/>
+            <a:ext cx="1632659" cy="336352"/>
+          </a:xfrm>
+          <a:prstGeom prst="rect">
+            <a:avLst/>
+          </a:prstGeom>
+          <a:noFill/>
+          <a:ln/>
+        </p:spPr>
+        <p:txBody>
+          <a:bodyPr wrap="square" lIns="88900" tIns="63500" rIns="88900" bIns="63500" rtlCol="0" anchor="t"/>
+          <a:lstStyle/>
+          <a:p>
+            <a:pPr algn="l" indent="0" marL="0">
+              <a:spcAft>
+                <a:spcPts val="400"/>
+              </a:spcAft>
+              <a:buNone/>
+            </a:pPr>
+            <a:r>
+              <a:rPr lang="en-US" sz="1400" b="1" dirty="0">
+                <a:solidFill>
+                  <a:srgbClr val="2C2C2C"/>
+                </a:solidFill>
+                <a:latin typeface="Arial" pitchFamily="34" charset="0"/>
+                <a:ea typeface="Arial" pitchFamily="34" charset="-122"/>
+                <a:cs typeface="Arial" pitchFamily="34" charset="-120"/>
+              </a:rPr>
+              <a:t>Learned In</a:t>
+            </a:r>
+            <a:endParaRPr lang="en-US" sz="1400" dirty="0"/>
+          </a:p>
+        </p:txBody>
+      </p:sp>
+      <p:sp>
+        <p:nvSpPr>
+          <p:cNvPr id="10" name="Text 8"/>
+          <p:cNvSpPr/>
+          <p:nvPr/>
+        </p:nvSpPr>
+        <p:spPr>
+          <a:xfrm>
+            <a:off x="457200" y="1688455"/>
+            <a:ext cx="8229600" cy="580876"/>
+          </a:xfrm>
+          <a:prstGeom prst="rect">
+            <a:avLst/>
+          </a:prstGeom>
+          <a:solidFill>
+            <a:srgbClr val="F4F1DE"/>
+          </a:solidFill>
+          <a:ln/>
+        </p:spPr>
+        <p:txBody>
+          <a:bodyPr wrap="square" rtlCol="0" anchor="ctr"/>
+          <a:lstStyle/>
+          <a:p>
+            <a:pPr indent="0" marL="0">
+              <a:buNone/>
+            </a:pPr>
+            <a:endParaRPr lang="en-US" dirty="0"/>
+          </a:p>
+        </p:txBody>
+      </p:sp>
+      <p:sp>
+        <p:nvSpPr>
+          <p:cNvPr id="11" name="Shape 9"/>
+          <p:cNvSpPr/>
+          <p:nvPr/>
+        </p:nvSpPr>
+        <p:spPr>
+          <a:xfrm>
+            <a:off x="457200" y="2264569"/>
+            <a:ext cx="8229600" cy="0"/>
+          </a:xfrm>
+          <a:prstGeom prst="line">
+            <a:avLst/>
+          </a:prstGeom>
+          <a:noFill/>
+          <a:ln w="9525">
+            <a:solidFill>
+              <a:srgbClr val="CCCCCC"/>
+            </a:solidFill>
+            <a:prstDash val="solid"/>
+          </a:ln>
+        </p:spPr>
+      </p:sp>
+      <p:sp>
+        <p:nvSpPr>
+          <p:cNvPr id="12" name="Text 10"/>
+          <p:cNvSpPr/>
+          <p:nvPr/>
+        </p:nvSpPr>
+        <p:spPr>
+          <a:xfrm>
+            <a:off x="457200" y="1688455"/>
+            <a:ext cx="1347115" cy="520601"/>
+          </a:xfrm>
+          <a:prstGeom prst="rect">
+            <a:avLst/>
+          </a:prstGeom>
+          <a:noFill/>
+          <a:ln/>
+        </p:spPr>
+        <p:txBody>
+          <a:bodyPr wrap="square" lIns="88900" tIns="50800" rIns="88900" bIns="50800" rtlCol="0" anchor="t"/>
+          <a:lstStyle/>
+          <a:p>
+            <a:pPr algn="l" indent="0" marL="0">
+              <a:spcAft>
+                <a:spcPts val="400"/>
+              </a:spcAft>
+              <a:buNone/>
+            </a:pPr>
+            <a:r>
+              <a:rPr lang="en-US" sz="1400" b="1" dirty="0">
+                <a:solidFill>
+                  <a:srgbClr val="2C2C2C"/>
+                </a:solidFill>
+                <a:latin typeface="Arial" pitchFamily="34" charset="0"/>
+                <a:ea typeface="Arial" pitchFamily="34" charset="-122"/>
+                <a:cs typeface="Arial" pitchFamily="34" charset="-120"/>
+              </a:rPr>
+              <a:t>Copilot</a:t>
+            </a:r>
+            <a:endParaRPr lang="en-US" sz="1400" dirty="0"/>
+          </a:p>
+        </p:txBody>
+      </p:sp>
+      <p:sp>
+        <p:nvSpPr>
+          <p:cNvPr id="13" name="Text 11"/>
+          <p:cNvSpPr/>
+          <p:nvPr/>
+        </p:nvSpPr>
+        <p:spPr>
+          <a:xfrm>
+            <a:off x="1777901" y="1688455"/>
+            <a:ext cx="2383334" cy="520601"/>
+          </a:xfrm>
+          <a:prstGeom prst="rect">
+            <a:avLst/>
+          </a:prstGeom>
+          <a:noFill/>
+          <a:ln/>
+        </p:spPr>
+        <p:txBody>
+          <a:bodyPr wrap="square" lIns="88900" tIns="50800" rIns="88900" bIns="50800" rtlCol="0" anchor="t"/>
+          <a:lstStyle/>
+          <a:p>
+            <a:pPr algn="l" indent="0" marL="0">
+              <a:spcAft>
+                <a:spcPts val="400"/>
+              </a:spcAft>
+              <a:buNone/>
+            </a:pPr>
+            <a:r>
+              <a:rPr lang="en-US" sz="1400" dirty="0">
+                <a:solidFill>
+                  <a:srgbClr val="2C2C2C"/>
+                </a:solidFill>
+                <a:latin typeface="Arial" pitchFamily="34" charset="0"/>
+                <a:ea typeface="Arial" pitchFamily="34" charset="-122"/>
+                <a:cs typeface="Arial" pitchFamily="34" charset="-120"/>
+              </a:rPr>
+              <a:t>Suggests text as you write</a:t>
+            </a:r>
+            <a:endParaRPr lang="en-US" sz="1400" dirty="0"/>
+          </a:p>
+        </p:txBody>
+      </p:sp>
+      <p:sp>
+        <p:nvSpPr>
+          <p:cNvPr id="14" name="Text 12"/>
+          <p:cNvSpPr/>
+          <p:nvPr/>
+        </p:nvSpPr>
+        <p:spPr>
+          <a:xfrm>
+            <a:off x="4114502" y="1688455"/>
+            <a:ext cx="3031084" cy="520601"/>
+          </a:xfrm>
+          <a:prstGeom prst="rect">
+            <a:avLst/>
+          </a:prstGeom>
+          <a:noFill/>
+          <a:ln/>
+        </p:spPr>
+        <p:txBody>
+          <a:bodyPr wrap="square" lIns="88900" tIns="50800" rIns="88900" bIns="50800" rtlCol="0" anchor="t"/>
+          <a:lstStyle/>
+          <a:p>
+            <a:pPr algn="l" indent="0" marL="0">
+              <a:spcAft>
+                <a:spcPts val="400"/>
+              </a:spcAft>
+              <a:buNone/>
+            </a:pPr>
+            <a:r>
+              <a:rPr lang="en-US" sz="1400" dirty="0">
+                <a:solidFill>
+                  <a:srgbClr val="2C2C2C"/>
+                </a:solidFill>
+                <a:latin typeface="Arial" pitchFamily="34" charset="0"/>
+                <a:ea typeface="Arial" pitchFamily="34" charset="-122"/>
+                <a:cs typeface="Arial" pitchFamily="34" charset="-120"/>
+              </a:rPr>
+              <a:t>Farmhand who finishes your sentences</a:t>
+            </a:r>
+            <a:endParaRPr lang="en-US" sz="1400" dirty="0"/>
+          </a:p>
+        </p:txBody>
+      </p:sp>
+      <p:sp>
+        <p:nvSpPr>
+          <p:cNvPr id="15" name="Text 13"/>
+          <p:cNvSpPr/>
+          <p:nvPr/>
+        </p:nvSpPr>
+        <p:spPr>
+          <a:xfrm>
+            <a:off x="7086154" y="1688455"/>
+            <a:ext cx="1632659" cy="520601"/>
+          </a:xfrm>
+          <a:prstGeom prst="rect">
+            <a:avLst/>
+          </a:prstGeom>
+          <a:noFill/>
+          <a:ln/>
+        </p:spPr>
+        <p:txBody>
+          <a:bodyPr wrap="square" lIns="88900" tIns="50800" rIns="88900" bIns="50800" rtlCol="0" anchor="t"/>
+          <a:lstStyle/>
+          <a:p>
+            <a:pPr algn="l" indent="0" marL="0">
+              <a:spcAft>
+                <a:spcPts val="400"/>
+              </a:spcAft>
+              <a:buNone/>
+            </a:pPr>
+            <a:r>
+              <a:rPr lang="en-US" sz="1400" dirty="0">
+                <a:solidFill>
+                  <a:srgbClr val="2C2C2C"/>
+                </a:solidFill>
+                <a:latin typeface="Arial" pitchFamily="34" charset="0"/>
+                <a:ea typeface="Arial" pitchFamily="34" charset="-122"/>
+                <a:cs typeface="Arial" pitchFamily="34" charset="-120"/>
+              </a:rPr>
+              <a:t>Session 10</a:t>
+            </a:r>
+            <a:endParaRPr lang="en-US" sz="1400" dirty="0"/>
+          </a:p>
+        </p:txBody>
+      </p:sp>
+      <p:sp>
+        <p:nvSpPr>
+          <p:cNvPr id="16" name="Text 14"/>
+          <p:cNvSpPr/>
+          <p:nvPr/>
+        </p:nvSpPr>
+        <p:spPr>
+          <a:xfrm>
+            <a:off x="457200" y="2269331"/>
+            <a:ext cx="8229600" cy="580876"/>
+          </a:xfrm>
+          <a:prstGeom prst="rect">
+            <a:avLst/>
+          </a:prstGeom>
+          <a:solidFill>
+            <a:srgbClr val="FFFFFF"/>
+          </a:solidFill>
+          <a:ln/>
+        </p:spPr>
+        <p:txBody>
+          <a:bodyPr wrap="square" rtlCol="0" anchor="ctr"/>
+          <a:lstStyle/>
+          <a:p>
+            <a:pPr indent="0" marL="0">
+              <a:buNone/>
+            </a:pPr>
+            <a:endParaRPr lang="en-US" dirty="0"/>
+          </a:p>
+        </p:txBody>
+      </p:sp>
+      <p:sp>
+        <p:nvSpPr>
+          <p:cNvPr id="17" name="Shape 15"/>
+          <p:cNvSpPr/>
+          <p:nvPr/>
+        </p:nvSpPr>
+        <p:spPr>
+          <a:xfrm>
+            <a:off x="457200" y="2845445"/>
+            <a:ext cx="8229600" cy="0"/>
+          </a:xfrm>
+          <a:prstGeom prst="line">
+            <a:avLst/>
+          </a:prstGeom>
+          <a:noFill/>
+          <a:ln w="9525">
+            <a:solidFill>
+              <a:srgbClr val="CCCCCC"/>
+            </a:solidFill>
+            <a:prstDash val="solid"/>
+          </a:ln>
+        </p:spPr>
+      </p:sp>
+      <p:sp>
+        <p:nvSpPr>
+          <p:cNvPr id="18" name="Text 16"/>
+          <p:cNvSpPr/>
+          <p:nvPr/>
+        </p:nvSpPr>
+        <p:spPr>
+          <a:xfrm>
+            <a:off x="457200" y="2269331"/>
+            <a:ext cx="1347115" cy="520601"/>
+          </a:xfrm>
+          <a:prstGeom prst="rect">
+            <a:avLst/>
+          </a:prstGeom>
+          <a:noFill/>
+          <a:ln/>
+        </p:spPr>
+        <p:txBody>
+          <a:bodyPr wrap="square" lIns="88900" tIns="50800" rIns="88900" bIns="50800" rtlCol="0" anchor="t"/>
+          <a:lstStyle/>
+          <a:p>
+            <a:pPr algn="l" indent="0" marL="0">
+              <a:spcAft>
+                <a:spcPts val="400"/>
+              </a:spcAft>
+              <a:buNone/>
+            </a:pPr>
+            <a:r>
+              <a:rPr lang="en-US" sz="1400" b="1" dirty="0">
+                <a:solidFill>
+                  <a:srgbClr val="2C2C2C"/>
+                </a:solidFill>
+                <a:latin typeface="Arial" pitchFamily="34" charset="0"/>
+                <a:ea typeface="Arial" pitchFamily="34" charset="-122"/>
+                <a:cs typeface="Arial" pitchFamily="34" charset="-120"/>
+              </a:rPr>
+              <a:t>Spark</a:t>
+            </a:r>
+            <a:endParaRPr lang="en-US" sz="1400" dirty="0"/>
+          </a:p>
+        </p:txBody>
+      </p:sp>
+      <p:sp>
+        <p:nvSpPr>
+          <p:cNvPr id="19" name="Text 17"/>
+          <p:cNvSpPr/>
+          <p:nvPr/>
+        </p:nvSpPr>
+        <p:spPr>
+          <a:xfrm>
+            <a:off x="1777901" y="2269331"/>
+            <a:ext cx="2383334" cy="520601"/>
+          </a:xfrm>
+          <a:prstGeom prst="rect">
+            <a:avLst/>
+          </a:prstGeom>
+          <a:noFill/>
+          <a:ln/>
+        </p:spPr>
+        <p:txBody>
+          <a:bodyPr wrap="square" lIns="88900" tIns="50800" rIns="88900" bIns="50800" rtlCol="0" anchor="t"/>
+          <a:lstStyle/>
+          <a:p>
+            <a:pPr algn="l" indent="0" marL="0">
+              <a:spcAft>
+                <a:spcPts val="400"/>
+              </a:spcAft>
+              <a:buNone/>
+            </a:pPr>
+            <a:r>
+              <a:rPr lang="en-US" sz="1400" dirty="0">
+                <a:solidFill>
+                  <a:srgbClr val="2C2C2C"/>
+                </a:solidFill>
+                <a:latin typeface="Arial" pitchFamily="34" charset="0"/>
+                <a:ea typeface="Arial" pitchFamily="34" charset="-122"/>
+                <a:cs typeface="Arial" pitchFamily="34" charset="-120"/>
+              </a:rPr>
+              <a:t>Builds simple apps from descriptions</a:t>
+            </a:r>
+            <a:endParaRPr lang="en-US" sz="1400" dirty="0"/>
+          </a:p>
+        </p:txBody>
+      </p:sp>
+      <p:sp>
+        <p:nvSpPr>
+          <p:cNvPr id="20" name="Text 18"/>
+          <p:cNvSpPr/>
+          <p:nvPr/>
+        </p:nvSpPr>
+        <p:spPr>
+          <a:xfrm>
+            <a:off x="4114502" y="2269331"/>
+            <a:ext cx="3031084" cy="520601"/>
+          </a:xfrm>
+          <a:prstGeom prst="rect">
+            <a:avLst/>
+          </a:prstGeom>
+          <a:noFill/>
+          <a:ln/>
+        </p:spPr>
+        <p:txBody>
+          <a:bodyPr wrap="square" lIns="88900" tIns="50800" rIns="88900" bIns="50800" rtlCol="0" anchor="t"/>
+          <a:lstStyle/>
+          <a:p>
+            <a:pPr algn="l" indent="0" marL="0">
+              <a:spcAft>
+                <a:spcPts val="400"/>
+              </a:spcAft>
+              <a:buNone/>
+            </a:pPr>
+            <a:r>
+              <a:rPr lang="en-US" sz="1400" dirty="0">
+                <a:solidFill>
+                  <a:srgbClr val="2C2C2C"/>
+                </a:solidFill>
+                <a:latin typeface="Arial" pitchFamily="34" charset="0"/>
+                <a:ea typeface="Arial" pitchFamily="34" charset="-122"/>
+                <a:cs typeface="Arial" pitchFamily="34" charset="-120"/>
+              </a:rPr>
+              <a:t>Farmhand who builds a tool from your sketch</a:t>
+            </a:r>
+            <a:endParaRPr lang="en-US" sz="1400" dirty="0"/>
+          </a:p>
+        </p:txBody>
+      </p:sp>
+      <p:sp>
+        <p:nvSpPr>
+          <p:cNvPr id="21" name="Text 19"/>
+          <p:cNvSpPr/>
+          <p:nvPr/>
+        </p:nvSpPr>
+        <p:spPr>
+          <a:xfrm>
+            <a:off x="7086154" y="2269331"/>
+            <a:ext cx="1632659" cy="520601"/>
+          </a:xfrm>
+          <a:prstGeom prst="rect">
+            <a:avLst/>
+          </a:prstGeom>
+          <a:noFill/>
+          <a:ln/>
+        </p:spPr>
+        <p:txBody>
+          <a:bodyPr wrap="square" lIns="88900" tIns="50800" rIns="88900" bIns="50800" rtlCol="0" anchor="t"/>
+          <a:lstStyle/>
+          <a:p>
+            <a:pPr algn="l" indent="0" marL="0">
+              <a:spcAft>
+                <a:spcPts val="400"/>
+              </a:spcAft>
+              <a:buNone/>
+            </a:pPr>
+            <a:r>
+              <a:rPr lang="en-US" sz="1400" dirty="0">
+                <a:solidFill>
+                  <a:srgbClr val="2C2C2C"/>
+                </a:solidFill>
+                <a:latin typeface="Arial" pitchFamily="34" charset="0"/>
+                <a:ea typeface="Arial" pitchFamily="34" charset="-122"/>
+                <a:cs typeface="Arial" pitchFamily="34" charset="-120"/>
+              </a:rPr>
+              <a:t>Today</a:t>
+            </a:r>
+            <a:endParaRPr lang="en-US" sz="1400" dirty="0"/>
+          </a:p>
+        </p:txBody>
+      </p:sp>
+      <p:sp>
+        <p:nvSpPr>
+          <p:cNvPr id="22" name="Text 20"/>
+          <p:cNvSpPr/>
+          <p:nvPr/>
+        </p:nvSpPr>
+        <p:spPr>
+          <a:xfrm>
+            <a:off x="457200" y="2850207"/>
+            <a:ext cx="8229600" cy="580876"/>
+          </a:xfrm>
+          <a:prstGeom prst="rect">
+            <a:avLst/>
+          </a:prstGeom>
+          <a:solidFill>
+            <a:srgbClr val="F4F1DE"/>
+          </a:solidFill>
+          <a:ln/>
+        </p:spPr>
+        <p:txBody>
+          <a:bodyPr wrap="square" rtlCol="0" anchor="ctr"/>
+          <a:lstStyle/>
+          <a:p>
+            <a:pPr indent="0" marL="0">
+              <a:buNone/>
+            </a:pPr>
+            <a:endParaRPr lang="en-US" dirty="0"/>
+          </a:p>
+        </p:txBody>
+      </p:sp>
+      <p:sp>
+        <p:nvSpPr>
+          <p:cNvPr id="23" name="Shape 21"/>
+          <p:cNvSpPr/>
+          <p:nvPr/>
+        </p:nvSpPr>
+        <p:spPr>
+          <a:xfrm>
+            <a:off x="457200" y="3426321"/>
+            <a:ext cx="8229600" cy="0"/>
+          </a:xfrm>
+          <a:prstGeom prst="line">
+            <a:avLst/>
+          </a:prstGeom>
+          <a:noFill/>
+          <a:ln w="9525">
+            <a:solidFill>
+              <a:srgbClr val="CCCCCC"/>
+            </a:solidFill>
+            <a:prstDash val="solid"/>
+          </a:ln>
+        </p:spPr>
+      </p:sp>
+      <p:sp>
+        <p:nvSpPr>
+          <p:cNvPr id="24" name="Text 22"/>
+          <p:cNvSpPr/>
+          <p:nvPr/>
+        </p:nvSpPr>
+        <p:spPr>
+          <a:xfrm>
+            <a:off x="457200" y="2850207"/>
+            <a:ext cx="1347115" cy="520601"/>
+          </a:xfrm>
+          <a:prstGeom prst="rect">
+            <a:avLst/>
+          </a:prstGeom>
+          <a:noFill/>
+          <a:ln/>
+        </p:spPr>
+        <p:txBody>
+          <a:bodyPr wrap="square" lIns="88900" tIns="50800" rIns="88900" bIns="50800" rtlCol="0" anchor="t"/>
+          <a:lstStyle/>
+          <a:p>
+            <a:pPr algn="l" indent="0" marL="0">
+              <a:spcAft>
+                <a:spcPts val="400"/>
+              </a:spcAft>
+              <a:buNone/>
+            </a:pPr>
+            <a:r>
+              <a:rPr lang="en-US" sz="1400" b="1" dirty="0">
+                <a:solidFill>
+                  <a:srgbClr val="2C2C2C"/>
+                </a:solidFill>
+                <a:latin typeface="Arial" pitchFamily="34" charset="0"/>
+                <a:ea typeface="Arial" pitchFamily="34" charset="-122"/>
+                <a:cs typeface="Arial" pitchFamily="34" charset="-120"/>
+              </a:rPr>
+              <a:t>Agents</a:t>
+            </a:r>
+            <a:endParaRPr lang="en-US" sz="1400" dirty="0"/>
+          </a:p>
+        </p:txBody>
+      </p:sp>
+      <p:sp>
+        <p:nvSpPr>
+          <p:cNvPr id="25" name="Text 23"/>
+          <p:cNvSpPr/>
+          <p:nvPr/>
+        </p:nvSpPr>
+        <p:spPr>
+          <a:xfrm>
+            <a:off x="1777901" y="2850207"/>
+            <a:ext cx="2383334" cy="520601"/>
+          </a:xfrm>
+          <a:prstGeom prst="rect">
+            <a:avLst/>
+          </a:prstGeom>
+          <a:noFill/>
+          <a:ln/>
+        </p:spPr>
+        <p:txBody>
+          <a:bodyPr wrap="square" lIns="88900" tIns="50800" rIns="88900" bIns="50800" rtlCol="0" anchor="t"/>
+          <a:lstStyle/>
+          <a:p>
+            <a:pPr algn="l" indent="0" marL="0">
+              <a:spcAft>
+                <a:spcPts val="400"/>
+              </a:spcAft>
+              <a:buNone/>
+            </a:pPr>
+            <a:r>
+              <a:rPr lang="en-US" sz="1400" dirty="0">
+                <a:solidFill>
+                  <a:srgbClr val="2C2C2C"/>
+                </a:solidFill>
+                <a:latin typeface="Arial" pitchFamily="34" charset="0"/>
+                <a:ea typeface="Arial" pitchFamily="34" charset="-122"/>
+                <a:cs typeface="Arial" pitchFamily="34" charset="-120"/>
+              </a:rPr>
+              <a:t>Follows multi-step instructions</a:t>
+            </a:r>
+            <a:endParaRPr lang="en-US" sz="1400" dirty="0"/>
+          </a:p>
+        </p:txBody>
+      </p:sp>
+      <p:sp>
+        <p:nvSpPr>
+          <p:cNvPr id="26" name="Text 24"/>
+          <p:cNvSpPr/>
+          <p:nvPr/>
+        </p:nvSpPr>
+        <p:spPr>
+          <a:xfrm>
+            <a:off x="4114502" y="2850207"/>
+            <a:ext cx="3031084" cy="520601"/>
+          </a:xfrm>
+          <a:prstGeom prst="rect">
+            <a:avLst/>
+          </a:prstGeom>
+          <a:noFill/>
+          <a:ln/>
+        </p:spPr>
+        <p:txBody>
+          <a:bodyPr wrap="square" lIns="88900" tIns="50800" rIns="88900" bIns="50800" rtlCol="0" anchor="t"/>
+          <a:lstStyle/>
+          <a:p>
+            <a:pPr algn="l" indent="0" marL="0">
+              <a:spcAft>
+                <a:spcPts val="400"/>
+              </a:spcAft>
+              <a:buNone/>
+            </a:pPr>
+            <a:r>
+              <a:rPr lang="en-US" sz="1400" dirty="0">
+                <a:solidFill>
+                  <a:srgbClr val="2C2C2C"/>
+                </a:solidFill>
+                <a:latin typeface="Arial" pitchFamily="34" charset="0"/>
+                <a:ea typeface="Arial" pitchFamily="34" charset="-122"/>
+                <a:cs typeface="Arial" pitchFamily="34" charset="-120"/>
+              </a:rPr>
+              <a:t>Farmhand who handles a whole job list</a:t>
+            </a:r>
+            <a:endParaRPr lang="en-US" sz="1400" dirty="0"/>
+          </a:p>
+        </p:txBody>
+      </p:sp>
+      <p:sp>
+        <p:nvSpPr>
+          <p:cNvPr id="27" name="Text 25"/>
+          <p:cNvSpPr/>
+          <p:nvPr/>
+        </p:nvSpPr>
+        <p:spPr>
+          <a:xfrm>
+            <a:off x="7086154" y="2850207"/>
+            <a:ext cx="1632659" cy="520601"/>
+          </a:xfrm>
+          <a:prstGeom prst="rect">
+            <a:avLst/>
+          </a:prstGeom>
+          <a:noFill/>
+          <a:ln/>
+        </p:spPr>
+        <p:txBody>
+          <a:bodyPr wrap="square" lIns="88900" tIns="50800" rIns="88900" bIns="50800" rtlCol="0" anchor="t"/>
+          <a:lstStyle/>
+          <a:p>
+            <a:pPr algn="l" indent="0" marL="0">
+              <a:spcAft>
+                <a:spcPts val="400"/>
+              </a:spcAft>
+              <a:buNone/>
+            </a:pPr>
+            <a:r>
+              <a:rPr lang="en-US" sz="1400" dirty="0">
+                <a:solidFill>
+                  <a:srgbClr val="2C2C2C"/>
+                </a:solidFill>
+                <a:latin typeface="Arial" pitchFamily="34" charset="0"/>
+                <a:ea typeface="Arial" pitchFamily="34" charset="-122"/>
+                <a:cs typeface="Arial" pitchFamily="34" charset="-120"/>
+              </a:rPr>
+              <a:t>Today</a:t>
+            </a:r>
+            <a:endParaRPr lang="en-US" sz="1400" dirty="0"/>
+          </a:p>
+        </p:txBody>
+      </p:sp>
+      <p:sp>
+        <p:nvSpPr>
+          <p:cNvPr id="28" name="Text 26"/>
+          <p:cNvSpPr/>
+          <p:nvPr/>
+        </p:nvSpPr>
+        <p:spPr>
+          <a:xfrm>
+            <a:off x="457200" y="3481834"/>
+            <a:ext cx="8394192" cy="209550"/>
+          </a:xfrm>
+          <a:prstGeom prst="rect">
+            <a:avLst/>
+          </a:prstGeom>
+          <a:noFill/>
+          <a:ln/>
+        </p:spPr>
+        <p:txBody>
+          <a:bodyPr wrap="square" lIns="0" tIns="0" rIns="0" bIns="0" rtlCol="0" anchor="t"/>
+          <a:lstStyle/>
+          <a:p>
+            <a:pPr algn="l" indent="0" marL="0">
+              <a:spcAft>
+                <a:spcPts val="400"/>
+              </a:spcAft>
+              <a:buNone/>
+            </a:pPr>
+            <a:r>
+              <a:rPr lang="en-US" sz="1400" b="1" dirty="0">
+                <a:solidFill>
+                  <a:srgbClr val="2C2C2C"/>
+                </a:solidFill>
+                <a:latin typeface="Arial" pitchFamily="34" charset="0"/>
+                <a:ea typeface="Arial" pitchFamily="34" charset="-122"/>
+                <a:cs typeface="Arial" pitchFamily="34" charset="-120"/>
+              </a:rPr>
+              <a:t>All three share the same foundation:</a:t>
+            </a:r>
+            <a:endParaRPr lang="en-US" sz="1400" dirty="0"/>
+          </a:p>
+        </p:txBody>
+      </p:sp>
+      <p:sp>
+        <p:nvSpPr>
+          <p:cNvPr id="29" name="Text 27"/>
+          <p:cNvSpPr/>
+          <p:nvPr/>
+        </p:nvSpPr>
+        <p:spPr>
+          <a:xfrm>
+            <a:off x="457200" y="3742134"/>
+            <a:ext cx="8229600" cy="625376"/>
+          </a:xfrm>
+          <a:prstGeom prst="rect">
+            <a:avLst/>
+          </a:prstGeom>
+          <a:noFill/>
+          <a:ln/>
+        </p:spPr>
+        <p:txBody>
+          <a:bodyPr wrap="square" lIns="152400" tIns="0" rIns="0" bIns="0" rtlCol="0" anchor="t"/>
+          <a:lstStyle/>
+          <a:p>
+            <a:pPr algn="l" marL="152400" indent="-152400">
+              <a:spcAft>
+                <a:spcPts val="100"/>
+              </a:spcAft>
+              <a:buSzPct val="100000"/>
+              <a:buChar char="•"/>
+            </a:pPr>
+            <a:r>
+              <a:rPr lang="en-US" sz="1300" dirty="0">
+                <a:solidFill>
+                  <a:srgbClr val="2C2C2C"/>
+                </a:solidFill>
+                <a:latin typeface="Arial" pitchFamily="34" charset="0"/>
+                <a:ea typeface="Arial" pitchFamily="34" charset="-122"/>
+                <a:cs typeface="Arial" pitchFamily="34" charset="-120"/>
+              </a:rPr>
+              <a:t>You give clear instructions (prompt)</a:t>
+            </a:r>
+            <a:endParaRPr lang="en-US" sz="1300" dirty="0"/>
+          </a:p>
+          <a:p>
+            <a:pPr algn="l" marL="152400" indent="-152400">
+              <a:spcAft>
+                <a:spcPts val="100"/>
+              </a:spcAft>
+              <a:buSzPct val="100000"/>
+              <a:buChar char="•"/>
+            </a:pPr>
+            <a:r>
+              <a:rPr lang="en-US" sz="1300" dirty="0">
+                <a:solidFill>
+                  <a:srgbClr val="2C2C2C"/>
+                </a:solidFill>
+                <a:latin typeface="Arial" pitchFamily="34" charset="0"/>
+                <a:ea typeface="Arial" pitchFamily="34" charset="-122"/>
+                <a:cs typeface="Arial" pitchFamily="34" charset="-120"/>
+              </a:rPr>
+              <a:t>The AI does work for you (output)</a:t>
+            </a:r>
+            <a:endParaRPr lang="en-US" sz="1300" dirty="0"/>
+          </a:p>
+          <a:p>
+            <a:pPr algn="l" marL="152400" indent="-152400">
+              <a:spcAft>
+                <a:spcPts val="100"/>
+              </a:spcAft>
+              <a:buSzPct val="100000"/>
+              <a:buChar char="•"/>
+            </a:pPr>
+            <a:r>
+              <a:rPr lang="en-US" sz="1300" dirty="0">
+                <a:solidFill>
+                  <a:srgbClr val="2C2C2C"/>
+                </a:solidFill>
+                <a:latin typeface="Arial" pitchFamily="34" charset="0"/>
+                <a:ea typeface="Arial" pitchFamily="34" charset="-122"/>
+                <a:cs typeface="Arial" pitchFamily="34" charset="-120"/>
+              </a:rPr>
+              <a:t>You review and approve (evaluation)</a:t>
+            </a:r>
+            <a:endParaRPr lang="en-US" sz="1300" dirty="0"/>
           </a:p>
         </p:txBody>
       </p:sp>
@@ -6195,7 +8046,7 @@
     <p:bg>
       <p:bgPr>
         <a:solidFill>
-          <a:srgbClr val="FFFFFF"/>
+          <a:srgbClr val="F4F1DE"/>
         </a:solidFill>
       </p:bgPr>
     </p:bg>
@@ -6222,7 +8073,7 @@
         <p:spPr>
           <a:xfrm>
             <a:off x="0" y="0"/>
-            <a:ext cx="9144000" cy="863501"/>
+            <a:ext cx="9144000" cy="914102"/>
           </a:xfrm>
           <a:prstGeom prst="rect">
             <a:avLst/>
@@ -6251,7 +8102,7 @@
         </p:nvSpPr>
         <p:spPr>
           <a:xfrm>
-            <a:off x="355550" y="246013"/>
+            <a:off x="457200" y="271314"/>
             <a:ext cx="4265256" cy="371475"/>
           </a:xfrm>
           <a:prstGeom prst="rect">
@@ -6290,8 +8141,8 @@
         </p:nvSpPr>
         <p:spPr>
           <a:xfrm>
-            <a:off x="355550" y="1130052"/>
-            <a:ext cx="8601557" cy="325636"/>
+            <a:off x="457200" y="1066502"/>
+            <a:ext cx="8394192" cy="209550"/>
           </a:xfrm>
           <a:prstGeom prst="rect">
             <a:avLst/>
@@ -6304,19 +8155,13 @@
           <a:lstStyle/>
           <a:p>
             <a:pPr algn="l" indent="0" marL="0">
-              <a:lnSpc>
-                <a:spcPts val="2565"/>
-              </a:lnSpc>
-              <a:spcBef>
+              <a:spcAft>
                 <a:spcPts val="500"/>
-              </a:spcBef>
-              <a:spcAft>
-                <a:spcPts val="500"/>
-              </a:spcAft>
-              <a:buNone/>
-            </a:pPr>
-            <a:r>
-              <a:rPr lang="en-US" sz="1900" b="1" dirty="0">
+              </a:spcAft>
+              <a:buNone/>
+            </a:pPr>
+            <a:r>
+              <a:rPr lang="en-US" sz="1400" b="1" dirty="0">
                 <a:solidFill>
                   <a:srgbClr val="2C2C2C"/>
                 </a:solidFill>
@@ -6326,7 +8171,7 @@
               </a:rPr>
               <a:t>Finished your Spark app early? Try this with your partner:</a:t>
             </a:r>
-            <a:endParaRPr lang="en-US" sz="1900" dirty="0"/>
+            <a:endParaRPr lang="en-US" sz="1400" dirty="0"/>
           </a:p>
         </p:txBody>
       </p:sp>
@@ -6338,23 +8183,20 @@
         </p:nvSpPr>
         <p:spPr>
           <a:xfrm>
-            <a:off x="355550" y="1582489"/>
-            <a:ext cx="8432899" cy="2271117"/>
-          </a:xfrm>
-          <a:prstGeom prst="rect">
-            <a:avLst/>
-          </a:prstGeom>
-          <a:noFill/>
-          <a:ln/>
-        </p:spPr>
-        <p:txBody>
-          <a:bodyPr wrap="square" lIns="165100" tIns="0" rIns="0" bIns="0" rtlCol="0" anchor="t"/>
-          <a:lstStyle/>
-          <a:p>
-            <a:pPr algn="l" marL="165100" indent="-165100">
-              <a:lnSpc>
-                <a:spcPts val="2565"/>
-              </a:lnSpc>
+            <a:off x="457200" y="1339453"/>
+            <a:ext cx="8229600" cy="704850"/>
+          </a:xfrm>
+          <a:prstGeom prst="rect">
+            <a:avLst/>
+          </a:prstGeom>
+          <a:noFill/>
+          <a:ln/>
+        </p:spPr>
+        <p:txBody>
+          <a:bodyPr wrap="square" lIns="152400" tIns="0" rIns="0" bIns="0" rtlCol="0" anchor="t"/>
+          <a:lstStyle/>
+          <a:p>
+            <a:pPr algn="l" marL="152400" indent="-152400">
               <a:spcAft>
                 <a:spcPts val="300"/>
               </a:spcAft>
@@ -6362,7 +8204,7 @@
               <a:buChar char="•"/>
             </a:pPr>
             <a:r>
-              <a:rPr lang="en-US" sz="1900" dirty="0">
+              <a:rPr lang="en-US" sz="1400" dirty="0">
                 <a:solidFill>
                   <a:srgbClr val="2C2C2C"/>
                 </a:solidFill>
@@ -6372,13 +8214,10 @@
               </a:rPr>
               <a:t>Open Copilot Chat in your farm repository</a:t>
             </a:r>
-            <a:endParaRPr lang="en-US" sz="1900" dirty="0"/>
-          </a:p>
-          <a:p>
-            <a:pPr algn="l" marL="165100" indent="-165100">
-              <a:lnSpc>
-                <a:spcPts val="2565"/>
-              </a:lnSpc>
+            <a:endParaRPr lang="en-US" sz="1400" dirty="0"/>
+          </a:p>
+          <a:p>
+            <a:pPr algn="l" marL="152400" indent="-152400">
               <a:spcAft>
                 <a:spcPts val="300"/>
               </a:spcAft>
@@ -6386,23 +8225,20 @@
               <a:buChar char="•"/>
             </a:pPr>
             <a:r>
-              <a:rPr lang="en-US" sz="1900" dirty="0">
-                <a:solidFill>
-                  <a:srgbClr val="2C2C2C"/>
-                </a:solidFill>
-                <a:latin typeface="Arial" pitchFamily="34" charset="0"/>
-                <a:ea typeface="Arial" pitchFamily="34" charset="-122"/>
-                <a:cs typeface="Arial" pitchFamily="34" charset="-120"/>
-              </a:rPr>
-              <a:t>Try a multi-step request: </a:t>
-            </a:r>
-            <a:endParaRPr lang="en-US" sz="1900" dirty="0"/>
-          </a:p>
-          <a:p>
-            <a:pPr algn="l" marL="165100" indent="-165100">
-              <a:lnSpc>
-                <a:spcPts val="2565"/>
-              </a:lnSpc>
+              <a:rPr lang="en-US" sz="1400" dirty="0">
+                <a:solidFill>
+                  <a:srgbClr val="2C2C2C"/>
+                </a:solidFill>
+                <a:latin typeface="Arial" pitchFamily="34" charset="0"/>
+                <a:ea typeface="Arial" pitchFamily="34" charset="-122"/>
+                <a:cs typeface="Arial" pitchFamily="34" charset="-120"/>
+              </a:rPr>
+              <a:t>Try a multi-step request (pick one below)</a:t>
+            </a:r>
+            <a:endParaRPr lang="en-US" sz="1400" dirty="0"/>
+          </a:p>
+          <a:p>
+            <a:pPr algn="l" marL="152400" indent="-152400">
               <a:spcAft>
                 <a:spcPts val="300"/>
               </a:spcAft>
@@ -6410,79 +8246,7 @@
               <a:buChar char="•"/>
             </a:pPr>
             <a:r>
-              <a:rPr lang="en-US" sz="1900" dirty="0">
-                <a:solidFill>
-                  <a:srgbClr val="2C2C2C"/>
-                </a:solidFill>
-                <a:latin typeface="Arial" pitchFamily="34" charset="0"/>
-                <a:ea typeface="Arial" pitchFamily="34" charset="-122"/>
-                <a:cs typeface="Arial" pitchFamily="34" charset="-120"/>
-              </a:rPr>
-              <a:t>"Suggest which open Issues should be worked on first"</a:t>
-            </a:r>
-            <a:endParaRPr lang="en-US" sz="1900" dirty="0"/>
-          </a:p>
-          <a:p>
-            <a:pPr algn="l" marL="165100" indent="-165100">
-              <a:lnSpc>
-                <a:spcPts val="2565"/>
-              </a:lnSpc>
-              <a:spcAft>
-                <a:spcPts val="300"/>
-              </a:spcAft>
-              <a:buSzPct val="100000"/>
-              <a:buChar char="•"/>
-            </a:pPr>
-            <a:r>
-              <a:rPr lang="en-US" sz="1900" dirty="0">
-                <a:solidFill>
-                  <a:srgbClr val="2C2C2C"/>
-                </a:solidFill>
-                <a:latin typeface="Arial" pitchFamily="34" charset="0"/>
-                <a:ea typeface="Arial" pitchFamily="34" charset="-122"/>
-                <a:cs typeface="Arial" pitchFamily="34" charset="-120"/>
-              </a:rPr>
-              <a:t>"Create three Issues for end-of-season tasks"</a:t>
-            </a:r>
-            <a:endParaRPr lang="en-US" sz="1900" dirty="0"/>
-          </a:p>
-          <a:p>
-            <a:pPr algn="l" marL="165100" indent="-165100">
-              <a:lnSpc>
-                <a:spcPts val="2565"/>
-              </a:lnSpc>
-              <a:spcAft>
-                <a:spcPts val="300"/>
-              </a:spcAft>
-              <a:buSzPct val="100000"/>
-              <a:buChar char="•"/>
-            </a:pPr>
-            <a:r>
-              <a:rPr lang="en-US" sz="1900" dirty="0">
-                <a:solidFill>
-                  <a:srgbClr val="2C2C2C"/>
-                </a:solidFill>
-                <a:latin typeface="Arial" pitchFamily="34" charset="0"/>
-                <a:ea typeface="Arial" pitchFamily="34" charset="-122"/>
-                <a:cs typeface="Arial" pitchFamily="34" charset="-120"/>
-              </a:rPr>
-              <a:t>"Review my most recent PR and suggest improvements"</a:t>
-            </a:r>
-            <a:endParaRPr lang="en-US" sz="1900" dirty="0"/>
-          </a:p>
-          <a:p>
-            <a:pPr algn="l" marL="165100" indent="-165100">
-              <a:lnSpc>
-                <a:spcPts val="2565"/>
-              </a:lnSpc>
-              <a:spcAft>
-                <a:spcPts val="300"/>
-              </a:spcAft>
-              <a:buSzPct val="100000"/>
-              <a:buChar char="•"/>
-            </a:pPr>
-            <a:r>
-              <a:rPr lang="en-US" sz="1900" dirty="0">
+              <a:rPr lang="en-US" sz="1400" dirty="0">
                 <a:solidFill>
                   <a:srgbClr val="2C2C2C"/>
                 </a:solidFill>
@@ -6492,7 +8256,7 @@
               </a:rPr>
               <a:t>Evaluate: Did the agent understand your request?</a:t>
             </a:r>
-            <a:endParaRPr lang="en-US" sz="1900" dirty="0"/>
+            <a:endParaRPr lang="en-US" sz="1400" dirty="0"/>
           </a:p>
         </p:txBody>
       </p:sp>
@@ -6504,102 +8268,61 @@
         </p:nvSpPr>
         <p:spPr>
           <a:xfrm>
-            <a:off x="685651" y="2373362"/>
-            <a:ext cx="8102798" cy="1053108"/>
-          </a:xfrm>
-          <a:prstGeom prst="rect">
-            <a:avLst/>
-          </a:prstGeom>
-          <a:noFill/>
-          <a:ln/>
-        </p:spPr>
-        <p:txBody>
-          <a:bodyPr wrap="square" lIns="165100" tIns="0" rIns="0" bIns="0" rtlCol="0" anchor="t"/>
-          <a:lstStyle/>
-          <a:p>
-            <a:pPr algn="l" marL="165100" indent="-165100">
-              <a:lnSpc>
-                <a:spcPts val="2565"/>
-              </a:lnSpc>
-              <a:spcAft>
-                <a:spcPts val="300"/>
-              </a:spcAft>
-              <a:buSzPct val="100000"/>
-              <a:buChar char="•"/>
-            </a:pPr>
-            <a:r>
-              <a:rPr lang="en-US" sz="1900" dirty="0">
-                <a:solidFill>
-                  <a:srgbClr val="2C2C2C"/>
-                </a:solidFill>
-                <a:latin typeface="Arial" pitchFamily="34" charset="0"/>
-                <a:ea typeface="Arial" pitchFamily="34" charset="-122"/>
-                <a:cs typeface="Arial" pitchFamily="34" charset="-120"/>
-              </a:rPr>
-              <a:t>"Suggest which open Issues should be worked on first"</a:t>
-            </a:r>
-            <a:endParaRPr lang="en-US" sz="1900" dirty="0"/>
-          </a:p>
-          <a:p>
-            <a:pPr algn="l" marL="165100" indent="-165100">
-              <a:lnSpc>
-                <a:spcPts val="2565"/>
-              </a:lnSpc>
-              <a:spcAft>
-                <a:spcPts val="300"/>
-              </a:spcAft>
-              <a:buSzPct val="100000"/>
-              <a:buChar char="•"/>
-            </a:pPr>
-            <a:r>
-              <a:rPr lang="en-US" sz="1900" dirty="0">
-                <a:solidFill>
-                  <a:srgbClr val="2C2C2C"/>
-                </a:solidFill>
-                <a:latin typeface="Arial" pitchFamily="34" charset="0"/>
-                <a:ea typeface="Arial" pitchFamily="34" charset="-122"/>
-                <a:cs typeface="Arial" pitchFamily="34" charset="-120"/>
-              </a:rPr>
-              <a:t>"Create three Issues for end-of-season tasks"</a:t>
-            </a:r>
-            <a:endParaRPr lang="en-US" sz="1900" dirty="0"/>
-          </a:p>
-          <a:p>
-            <a:pPr algn="l" marL="165100" indent="-165100">
-              <a:lnSpc>
-                <a:spcPts val="2565"/>
-              </a:lnSpc>
-              <a:spcAft>
-                <a:spcPts val="300"/>
-              </a:spcAft>
-              <a:buSzPct val="100000"/>
-              <a:buChar char="•"/>
-            </a:pPr>
-            <a:r>
-              <a:rPr lang="en-US" sz="1900" dirty="0">
-                <a:solidFill>
-                  <a:srgbClr val="2C2C2C"/>
-                </a:solidFill>
-                <a:latin typeface="Arial" pitchFamily="34" charset="0"/>
-                <a:ea typeface="Arial" pitchFamily="34" charset="-122"/>
-                <a:cs typeface="Arial" pitchFamily="34" charset="-120"/>
-              </a:rPr>
-              <a:t>"Review my most recent PR and suggest improvements"</a:t>
-            </a:r>
-            <a:endParaRPr lang="en-US" sz="1900" dirty="0"/>
-          </a:p>
-        </p:txBody>
-      </p:sp>
-      <p:sp>
-        <p:nvSpPr>
-          <p:cNvPr id="7" name="Text 5"/>
-          <p:cNvSpPr/>
-          <p:nvPr/>
-        </p:nvSpPr>
-        <p:spPr>
-          <a:xfrm>
-            <a:off x="355550" y="3980408"/>
-            <a:ext cx="8601557" cy="325636"/>
+            <a:off x="762000" y="2107704"/>
+            <a:ext cx="7924800" cy="853678"/>
+          </a:xfrm>
+          <a:prstGeom prst="rect">
+            <a:avLst/>
+          </a:prstGeom>
+          <a:solidFill>
+            <a:srgbClr val="E8F5E9"/>
+          </a:solidFill>
+          <a:ln/>
+        </p:spPr>
+        <p:txBody>
+          <a:bodyPr wrap="square" rtlCol="0" anchor="ctr"/>
+          <a:lstStyle/>
+          <a:p>
+            <a:pPr indent="0" marL="0">
+              <a:buNone/>
+            </a:pPr>
+            <a:endParaRPr lang="en-US" dirty="0"/>
+          </a:p>
+        </p:txBody>
+      </p:sp>
+      <p:sp>
+        <p:nvSpPr>
+          <p:cNvPr id="7" name="Shape 5"/>
+          <p:cNvSpPr/>
+          <p:nvPr/>
+        </p:nvSpPr>
+        <p:spPr>
+          <a:xfrm>
+            <a:off x="785813" y="2107704"/>
+            <a:ext cx="0" cy="853678"/>
+          </a:xfrm>
+          <a:prstGeom prst="line">
+            <a:avLst/>
+          </a:prstGeom>
+          <a:noFill/>
+          <a:ln w="47625">
+            <a:solidFill>
+              <a:srgbClr val="4E9F3D"/>
+            </a:solidFill>
+            <a:prstDash val="solid"/>
+          </a:ln>
+        </p:spPr>
+      </p:sp>
+      <p:sp>
+        <p:nvSpPr>
+          <p:cNvPr id="8" name="Text 6"/>
+          <p:cNvSpPr/>
+          <p:nvPr/>
+        </p:nvSpPr>
+        <p:spPr>
+          <a:xfrm>
+            <a:off x="962025" y="2209205"/>
+            <a:ext cx="7723823" cy="200025"/>
           </a:xfrm>
           <a:prstGeom prst="rect">
             <a:avLst/>
@@ -6612,19 +8335,148 @@
           <a:lstStyle/>
           <a:p>
             <a:pPr algn="l" indent="0" marL="0">
-              <a:lnSpc>
-                <a:spcPts val="2565"/>
-              </a:lnSpc>
               <a:spcBef>
+                <a:spcPts val="200"/>
+              </a:spcBef>
+              <a:spcAft>
+                <a:spcPts val="200"/>
+              </a:spcAft>
+              <a:buNone/>
+            </a:pPr>
+            <a:r>
+              <a:rPr lang="en-US" sz="1300" i="1" dirty="0">
+                <a:solidFill>
+                  <a:srgbClr val="1E5128"/>
+                </a:solidFill>
+                <a:latin typeface="Arial" pitchFamily="34" charset="0"/>
+                <a:ea typeface="Arial" pitchFamily="34" charset="-122"/>
+                <a:cs typeface="Arial" pitchFamily="34" charset="-120"/>
+              </a:rPr>
+              <a:t>“Suggest which open Issues should be worked on first”</a:t>
+            </a:r>
+            <a:endParaRPr lang="en-US" sz="1300" dirty="0"/>
+          </a:p>
+        </p:txBody>
+      </p:sp>
+      <p:sp>
+        <p:nvSpPr>
+          <p:cNvPr id="9" name="Text 7"/>
+          <p:cNvSpPr/>
+          <p:nvPr/>
+        </p:nvSpPr>
+        <p:spPr>
+          <a:xfrm>
+            <a:off x="962025" y="2434530"/>
+            <a:ext cx="7723823" cy="200025"/>
+          </a:xfrm>
+          <a:prstGeom prst="rect">
+            <a:avLst/>
+          </a:prstGeom>
+          <a:noFill/>
+          <a:ln/>
+        </p:spPr>
+        <p:txBody>
+          <a:bodyPr wrap="square" lIns="0" tIns="0" rIns="0" bIns="0" rtlCol="0" anchor="t"/>
+          <a:lstStyle/>
+          <a:p>
+            <a:pPr algn="l" indent="0" marL="0">
+              <a:spcBef>
+                <a:spcPts val="200"/>
+              </a:spcBef>
+              <a:spcAft>
+                <a:spcPts val="200"/>
+              </a:spcAft>
+              <a:buNone/>
+            </a:pPr>
+            <a:r>
+              <a:rPr lang="en-US" sz="1300" i="1" dirty="0">
+                <a:solidFill>
+                  <a:srgbClr val="1E5128"/>
+                </a:solidFill>
+                <a:latin typeface="Arial" pitchFamily="34" charset="0"/>
+                <a:ea typeface="Arial" pitchFamily="34" charset="-122"/>
+                <a:cs typeface="Arial" pitchFamily="34" charset="-120"/>
+              </a:rPr>
+              <a:t>“Create three Issues for end-of-season tasks”</a:t>
+            </a:r>
+            <a:endParaRPr lang="en-US" sz="1300" dirty="0"/>
+          </a:p>
+        </p:txBody>
+      </p:sp>
+      <p:sp>
+        <p:nvSpPr>
+          <p:cNvPr id="10" name="Text 8"/>
+          <p:cNvSpPr/>
+          <p:nvPr/>
+        </p:nvSpPr>
+        <p:spPr>
+          <a:xfrm>
+            <a:off x="962025" y="2659856"/>
+            <a:ext cx="7723823" cy="200025"/>
+          </a:xfrm>
+          <a:prstGeom prst="rect">
+            <a:avLst/>
+          </a:prstGeom>
+          <a:noFill/>
+          <a:ln/>
+        </p:spPr>
+        <p:txBody>
+          <a:bodyPr wrap="square" lIns="0" tIns="0" rIns="0" bIns="0" rtlCol="0" anchor="t"/>
+          <a:lstStyle/>
+          <a:p>
+            <a:pPr algn="l" indent="0" marL="0">
+              <a:spcBef>
+                <a:spcPts val="200"/>
+              </a:spcBef>
+              <a:spcAft>
+                <a:spcPts val="200"/>
+              </a:spcAft>
+              <a:buNone/>
+            </a:pPr>
+            <a:r>
+              <a:rPr lang="en-US" sz="1300" i="1" dirty="0">
+                <a:solidFill>
+                  <a:srgbClr val="1E5128"/>
+                </a:solidFill>
+                <a:latin typeface="Arial" pitchFamily="34" charset="0"/>
+                <a:ea typeface="Arial" pitchFamily="34" charset="-122"/>
+                <a:cs typeface="Arial" pitchFamily="34" charset="-120"/>
+              </a:rPr>
+              <a:t>“Review my most recent PR and suggest improvements”</a:t>
+            </a:r>
+            <a:endParaRPr lang="en-US" sz="1300" dirty="0"/>
+          </a:p>
+        </p:txBody>
+      </p:sp>
+      <p:sp>
+        <p:nvSpPr>
+          <p:cNvPr id="11" name="Text 9"/>
+          <p:cNvSpPr/>
+          <p:nvPr/>
+        </p:nvSpPr>
+        <p:spPr>
+          <a:xfrm>
+            <a:off x="457200" y="3037582"/>
+            <a:ext cx="8394192" cy="209550"/>
+          </a:xfrm>
+          <a:prstGeom prst="rect">
+            <a:avLst/>
+          </a:prstGeom>
+          <a:noFill/>
+          <a:ln/>
+        </p:spPr>
+        <p:txBody>
+          <a:bodyPr wrap="square" lIns="0" tIns="0" rIns="0" bIns="0" rtlCol="0" anchor="t"/>
+          <a:lstStyle/>
+          <a:p>
+            <a:pPr algn="l" indent="0" marL="0">
+              <a:spcAft>
                 <a:spcPts val="500"/>
-              </a:spcBef>
-              <a:spcAft>
-                <a:spcPts val="500"/>
-              </a:spcAft>
-              <a:buNone/>
-            </a:pPr>
-            <a:r>
-              <a:rPr lang="en-US" sz="1900" b="1" dirty="0">
+              </a:spcAft>
+              <a:buNone/>
+            </a:pPr>
+            <a:r>
+              <a:rPr lang="en-US" sz="1400" b="1" dirty="0">
                 <a:solidFill>
                   <a:srgbClr val="2C2C2C"/>
                 </a:solidFill>
@@ -6634,7 +8486,7 @@
               </a:rPr>
               <a:t>The agent proposes, you decide.</a:t>
             </a:r>
-            <a:endParaRPr lang="en-US" sz="1900" dirty="0"/>
+            <a:endParaRPr lang="en-US" sz="1400" dirty="0"/>
           </a:p>
         </p:txBody>
       </p:sp>
@@ -7352,7 +9204,7 @@
     <p:bg>
       <p:bgPr>
         <a:solidFill>
-          <a:srgbClr val="FFFFFF"/>
+          <a:srgbClr val="F4F1DE"/>
         </a:solidFill>
       </p:bgPr>
     </p:bg>
@@ -7379,7 +9231,7 @@
         <p:spPr>
           <a:xfrm>
             <a:off x="0" y="0"/>
-            <a:ext cx="9144000" cy="863501"/>
+            <a:ext cx="9144000" cy="914102"/>
           </a:xfrm>
           <a:prstGeom prst="rect">
             <a:avLst/>
@@ -7408,7 +9260,7 @@
         </p:nvSpPr>
         <p:spPr>
           <a:xfrm>
-            <a:off x="355550" y="246013"/>
+            <a:off x="457200" y="271314"/>
             <a:ext cx="3755800" cy="371475"/>
           </a:xfrm>
           <a:prstGeom prst="rect">
@@ -7436,6 +9288,1123 @@
               <a:t>Key Vocabulary Review</a:t>
             </a:r>
             <a:endParaRPr lang="en-US" sz="2600" dirty="0"/>
+          </a:p>
+        </p:txBody>
+      </p:sp>
+      <p:sp>
+        <p:nvSpPr>
+          <p:cNvPr id="4" name="Text 2"/>
+          <p:cNvSpPr/>
+          <p:nvPr/>
+        </p:nvSpPr>
+        <p:spPr>
+          <a:xfrm>
+            <a:off x="457200" y="1041053"/>
+            <a:ext cx="8394192" cy="209550"/>
+          </a:xfrm>
+          <a:prstGeom prst="rect">
+            <a:avLst/>
+          </a:prstGeom>
+          <a:noFill/>
+          <a:ln/>
+        </p:spPr>
+        <p:txBody>
+          <a:bodyPr wrap="square" lIns="0" tIns="0" rIns="0" bIns="0" rtlCol="0" anchor="t"/>
+          <a:lstStyle/>
+          <a:p>
+            <a:pPr algn="l" indent="0" marL="0">
+              <a:spcAft>
+                <a:spcPts val="500"/>
+              </a:spcAft>
+              <a:buNone/>
+            </a:pPr>
+            <a:r>
+              <a:rPr lang="en-US" sz="1400" b="1" dirty="0">
+                <a:solidFill>
+                  <a:srgbClr val="2C2C2C"/>
+                </a:solidFill>
+                <a:latin typeface="Arial" pitchFamily="34" charset="0"/>
+                <a:ea typeface="Arial" pitchFamily="34" charset="-122"/>
+                <a:cs typeface="Arial" pitchFamily="34" charset="-120"/>
+              </a:rPr>
+              <a:t>New terms from today:</a:t>
+            </a:r>
+            <a:endParaRPr lang="en-US" sz="1400" dirty="0"/>
+          </a:p>
+        </p:txBody>
+      </p:sp>
+      <p:sp>
+        <p:nvSpPr>
+          <p:cNvPr id="5" name="Text 3"/>
+          <p:cNvSpPr/>
+          <p:nvPr/>
+        </p:nvSpPr>
+        <p:spPr>
+          <a:xfrm>
+            <a:off x="457200" y="1314004"/>
+            <a:ext cx="8229600" cy="399752"/>
+          </a:xfrm>
+          <a:prstGeom prst="roundRect">
+            <a:avLst>
+              <a:gd name="adj" fmla="val 12708"/>
+            </a:avLst>
+          </a:prstGeom>
+          <a:solidFill>
+            <a:srgbClr val="1E5128"/>
+          </a:solidFill>
+          <a:ln/>
+        </p:spPr>
+        <p:txBody>
+          <a:bodyPr wrap="square" rtlCol="0" anchor="ctr"/>
+          <a:lstStyle/>
+          <a:p>
+            <a:pPr indent="0" marL="0">
+              <a:buNone/>
+            </a:pPr>
+            <a:endParaRPr lang="en-US" dirty="0"/>
+          </a:p>
+        </p:txBody>
+      </p:sp>
+      <p:sp>
+        <p:nvSpPr>
+          <p:cNvPr id="6" name="Text 4"/>
+          <p:cNvSpPr/>
+          <p:nvPr/>
+        </p:nvSpPr>
+        <p:spPr>
+          <a:xfrm>
+            <a:off x="457200" y="1314004"/>
+            <a:ext cx="2512975" cy="336352"/>
+          </a:xfrm>
+          <a:prstGeom prst="rect">
+            <a:avLst/>
+          </a:prstGeom>
+          <a:noFill/>
+          <a:ln/>
+        </p:spPr>
+        <p:txBody>
+          <a:bodyPr wrap="square" lIns="88900" tIns="63500" rIns="88900" bIns="63500" rtlCol="0" anchor="t"/>
+          <a:lstStyle/>
+          <a:p>
+            <a:pPr algn="l" indent="0" marL="0">
+              <a:spcAft>
+                <a:spcPts val="500"/>
+              </a:spcAft>
+              <a:buNone/>
+            </a:pPr>
+            <a:r>
+              <a:rPr lang="en-US" sz="1400" b="1" dirty="0">
+                <a:solidFill>
+                  <a:srgbClr val="2C2C2C"/>
+                </a:solidFill>
+                <a:latin typeface="Arial" pitchFamily="34" charset="0"/>
+                <a:ea typeface="Arial" pitchFamily="34" charset="-122"/>
+                <a:cs typeface="Arial" pitchFamily="34" charset="-120"/>
+              </a:rPr>
+              <a:t>Term</a:t>
+            </a:r>
+            <a:endParaRPr lang="en-US" sz="1400" dirty="0"/>
+          </a:p>
+        </p:txBody>
+      </p:sp>
+      <p:sp>
+        <p:nvSpPr>
+          <p:cNvPr id="7" name="Text 5"/>
+          <p:cNvSpPr/>
+          <p:nvPr/>
+        </p:nvSpPr>
+        <p:spPr>
+          <a:xfrm>
+            <a:off x="2920901" y="1314004"/>
+            <a:ext cx="5881217" cy="336352"/>
+          </a:xfrm>
+          <a:prstGeom prst="rect">
+            <a:avLst/>
+          </a:prstGeom>
+          <a:noFill/>
+          <a:ln/>
+        </p:spPr>
+        <p:txBody>
+          <a:bodyPr wrap="square" lIns="88900" tIns="63500" rIns="88900" bIns="63500" rtlCol="0" anchor="t"/>
+          <a:lstStyle/>
+          <a:p>
+            <a:pPr algn="l" indent="0" marL="0">
+              <a:spcAft>
+                <a:spcPts val="500"/>
+              </a:spcAft>
+              <a:buNone/>
+            </a:pPr>
+            <a:r>
+              <a:rPr lang="en-US" sz="1400" b="1" dirty="0">
+                <a:solidFill>
+                  <a:srgbClr val="2C2C2C"/>
+                </a:solidFill>
+                <a:latin typeface="Arial" pitchFamily="34" charset="0"/>
+                <a:ea typeface="Arial" pitchFamily="34" charset="-122"/>
+                <a:cs typeface="Arial" pitchFamily="34" charset="-120"/>
+              </a:rPr>
+              <a:t>Meaning</a:t>
+            </a:r>
+            <a:endParaRPr lang="en-US" sz="1400" dirty="0"/>
+          </a:p>
+        </p:txBody>
+      </p:sp>
+      <p:sp>
+        <p:nvSpPr>
+          <p:cNvPr id="8" name="Text 6"/>
+          <p:cNvSpPr/>
+          <p:nvPr/>
+        </p:nvSpPr>
+        <p:spPr>
+          <a:xfrm>
+            <a:off x="457200" y="1713756"/>
+            <a:ext cx="8229600" cy="383977"/>
+          </a:xfrm>
+          <a:prstGeom prst="rect">
+            <a:avLst/>
+          </a:prstGeom>
+          <a:solidFill>
+            <a:srgbClr val="F4F1DE"/>
+          </a:solidFill>
+          <a:ln/>
+        </p:spPr>
+        <p:txBody>
+          <a:bodyPr wrap="square" rtlCol="0" anchor="ctr"/>
+          <a:lstStyle/>
+          <a:p>
+            <a:pPr indent="0" marL="0">
+              <a:buNone/>
+            </a:pPr>
+            <a:endParaRPr lang="en-US" dirty="0"/>
+          </a:p>
+        </p:txBody>
+      </p:sp>
+      <p:sp>
+        <p:nvSpPr>
+          <p:cNvPr id="9" name="Shape 7"/>
+          <p:cNvSpPr/>
+          <p:nvPr/>
+        </p:nvSpPr>
+        <p:spPr>
+          <a:xfrm>
+            <a:off x="457200" y="2092970"/>
+            <a:ext cx="8229600" cy="0"/>
+          </a:xfrm>
+          <a:prstGeom prst="line">
+            <a:avLst/>
+          </a:prstGeom>
+          <a:noFill/>
+          <a:ln w="9525">
+            <a:solidFill>
+              <a:srgbClr val="CCCCCC"/>
+            </a:solidFill>
+            <a:prstDash val="solid"/>
+          </a:ln>
+        </p:spPr>
+      </p:sp>
+      <p:sp>
+        <p:nvSpPr>
+          <p:cNvPr id="10" name="Text 8"/>
+          <p:cNvSpPr/>
+          <p:nvPr/>
+        </p:nvSpPr>
+        <p:spPr>
+          <a:xfrm>
+            <a:off x="457200" y="1713756"/>
+            <a:ext cx="2512975" cy="311051"/>
+          </a:xfrm>
+          <a:prstGeom prst="rect">
+            <a:avLst/>
+          </a:prstGeom>
+          <a:noFill/>
+          <a:ln/>
+        </p:spPr>
+        <p:txBody>
+          <a:bodyPr wrap="square" lIns="88900" tIns="50800" rIns="88900" bIns="50800" rtlCol="0" anchor="t"/>
+          <a:lstStyle/>
+          <a:p>
+            <a:pPr algn="l" indent="0" marL="0">
+              <a:spcAft>
+                <a:spcPts val="500"/>
+              </a:spcAft>
+              <a:buNone/>
+            </a:pPr>
+            <a:r>
+              <a:rPr lang="en-US" sz="1400" b="1" dirty="0">
+                <a:solidFill>
+                  <a:srgbClr val="2C2C2C"/>
+                </a:solidFill>
+                <a:latin typeface="Arial" pitchFamily="34" charset="0"/>
+                <a:ea typeface="Arial" pitchFamily="34" charset="-122"/>
+                <a:cs typeface="Arial" pitchFamily="34" charset="-120"/>
+              </a:rPr>
+              <a:t>GitHub Spark</a:t>
+            </a:r>
+            <a:endParaRPr lang="en-US" sz="1400" dirty="0"/>
+          </a:p>
+        </p:txBody>
+      </p:sp>
+      <p:sp>
+        <p:nvSpPr>
+          <p:cNvPr id="11" name="Text 9"/>
+          <p:cNvSpPr/>
+          <p:nvPr/>
+        </p:nvSpPr>
+        <p:spPr>
+          <a:xfrm>
+            <a:off x="2920901" y="1713756"/>
+            <a:ext cx="5881217" cy="311051"/>
+          </a:xfrm>
+          <a:prstGeom prst="rect">
+            <a:avLst/>
+          </a:prstGeom>
+          <a:noFill/>
+          <a:ln/>
+        </p:spPr>
+        <p:txBody>
+          <a:bodyPr wrap="square" lIns="88900" tIns="50800" rIns="88900" bIns="50800" rtlCol="0" anchor="t"/>
+          <a:lstStyle/>
+          <a:p>
+            <a:pPr algn="l" indent="0" marL="0">
+              <a:spcAft>
+                <a:spcPts val="500"/>
+              </a:spcAft>
+              <a:buNone/>
+            </a:pPr>
+            <a:r>
+              <a:rPr lang="en-US" sz="1400" dirty="0">
+                <a:solidFill>
+                  <a:srgbClr val="2C2C2C"/>
+                </a:solidFill>
+                <a:latin typeface="Arial" pitchFamily="34" charset="0"/>
+                <a:ea typeface="Arial" pitchFamily="34" charset="-122"/>
+                <a:cs typeface="Arial" pitchFamily="34" charset="-120"/>
+              </a:rPr>
+              <a:t>Builds simple web apps from plain English descriptions</a:t>
+            </a:r>
+            <a:endParaRPr lang="en-US" sz="1400" dirty="0"/>
+          </a:p>
+        </p:txBody>
+      </p:sp>
+      <p:sp>
+        <p:nvSpPr>
+          <p:cNvPr id="12" name="Text 10"/>
+          <p:cNvSpPr/>
+          <p:nvPr/>
+        </p:nvSpPr>
+        <p:spPr>
+          <a:xfrm>
+            <a:off x="457200" y="2097732"/>
+            <a:ext cx="8229600" cy="383977"/>
+          </a:xfrm>
+          <a:prstGeom prst="rect">
+            <a:avLst/>
+          </a:prstGeom>
+          <a:solidFill>
+            <a:srgbClr val="FFFFFF"/>
+          </a:solidFill>
+          <a:ln/>
+        </p:spPr>
+        <p:txBody>
+          <a:bodyPr wrap="square" rtlCol="0" anchor="ctr"/>
+          <a:lstStyle/>
+          <a:p>
+            <a:pPr indent="0" marL="0">
+              <a:buNone/>
+            </a:pPr>
+            <a:endParaRPr lang="en-US" dirty="0"/>
+          </a:p>
+        </p:txBody>
+      </p:sp>
+      <p:sp>
+        <p:nvSpPr>
+          <p:cNvPr id="13" name="Shape 11"/>
+          <p:cNvSpPr/>
+          <p:nvPr/>
+        </p:nvSpPr>
+        <p:spPr>
+          <a:xfrm>
+            <a:off x="457200" y="2476946"/>
+            <a:ext cx="8229600" cy="0"/>
+          </a:xfrm>
+          <a:prstGeom prst="line">
+            <a:avLst/>
+          </a:prstGeom>
+          <a:noFill/>
+          <a:ln w="9525">
+            <a:solidFill>
+              <a:srgbClr val="CCCCCC"/>
+            </a:solidFill>
+            <a:prstDash val="solid"/>
+          </a:ln>
+        </p:spPr>
+      </p:sp>
+      <p:sp>
+        <p:nvSpPr>
+          <p:cNvPr id="14" name="Text 12"/>
+          <p:cNvSpPr/>
+          <p:nvPr/>
+        </p:nvSpPr>
+        <p:spPr>
+          <a:xfrm>
+            <a:off x="457200" y="2097732"/>
+            <a:ext cx="2512975" cy="311051"/>
+          </a:xfrm>
+          <a:prstGeom prst="rect">
+            <a:avLst/>
+          </a:prstGeom>
+          <a:noFill/>
+          <a:ln/>
+        </p:spPr>
+        <p:txBody>
+          <a:bodyPr wrap="square" lIns="88900" tIns="50800" rIns="88900" bIns="50800" rtlCol="0" anchor="t"/>
+          <a:lstStyle/>
+          <a:p>
+            <a:pPr algn="l" indent="0" marL="0">
+              <a:spcAft>
+                <a:spcPts val="500"/>
+              </a:spcAft>
+              <a:buNone/>
+            </a:pPr>
+            <a:r>
+              <a:rPr lang="en-US" sz="1400" b="1" dirty="0">
+                <a:solidFill>
+                  <a:srgbClr val="2C2C2C"/>
+                </a:solidFill>
+                <a:latin typeface="Arial" pitchFamily="34" charset="0"/>
+                <a:ea typeface="Arial" pitchFamily="34" charset="-122"/>
+                <a:cs typeface="Arial" pitchFamily="34" charset="-120"/>
+              </a:rPr>
+              <a:t>App</a:t>
+            </a:r>
+            <a:endParaRPr lang="en-US" sz="1400" dirty="0"/>
+          </a:p>
+        </p:txBody>
+      </p:sp>
+      <p:sp>
+        <p:nvSpPr>
+          <p:cNvPr id="15" name="Text 13"/>
+          <p:cNvSpPr/>
+          <p:nvPr/>
+        </p:nvSpPr>
+        <p:spPr>
+          <a:xfrm>
+            <a:off x="2920901" y="2097732"/>
+            <a:ext cx="5881217" cy="311051"/>
+          </a:xfrm>
+          <a:prstGeom prst="rect">
+            <a:avLst/>
+          </a:prstGeom>
+          <a:noFill/>
+          <a:ln/>
+        </p:spPr>
+        <p:txBody>
+          <a:bodyPr wrap="square" lIns="88900" tIns="50800" rIns="88900" bIns="50800" rtlCol="0" anchor="t"/>
+          <a:lstStyle/>
+          <a:p>
+            <a:pPr algn="l" indent="0" marL="0">
+              <a:spcAft>
+                <a:spcPts val="500"/>
+              </a:spcAft>
+              <a:buNone/>
+            </a:pPr>
+            <a:r>
+              <a:rPr lang="en-US" sz="1400" dirty="0">
+                <a:solidFill>
+                  <a:srgbClr val="2C2C2C"/>
+                </a:solidFill>
+                <a:latin typeface="Arial" pitchFamily="34" charset="0"/>
+                <a:ea typeface="Arial" pitchFamily="34" charset="-122"/>
+                <a:cs typeface="Arial" pitchFamily="34" charset="-120"/>
+              </a:rPr>
+              <a:t>A small program you use in a web browser (calculator, form)</a:t>
+            </a:r>
+            <a:endParaRPr lang="en-US" sz="1400" dirty="0"/>
+          </a:p>
+        </p:txBody>
+      </p:sp>
+      <p:sp>
+        <p:nvSpPr>
+          <p:cNvPr id="16" name="Text 14"/>
+          <p:cNvSpPr/>
+          <p:nvPr/>
+        </p:nvSpPr>
+        <p:spPr>
+          <a:xfrm>
+            <a:off x="457200" y="2481709"/>
+            <a:ext cx="8229600" cy="383977"/>
+          </a:xfrm>
+          <a:prstGeom prst="rect">
+            <a:avLst/>
+          </a:prstGeom>
+          <a:solidFill>
+            <a:srgbClr val="F4F1DE"/>
+          </a:solidFill>
+          <a:ln/>
+        </p:spPr>
+        <p:txBody>
+          <a:bodyPr wrap="square" rtlCol="0" anchor="ctr"/>
+          <a:lstStyle/>
+          <a:p>
+            <a:pPr indent="0" marL="0">
+              <a:buNone/>
+            </a:pPr>
+            <a:endParaRPr lang="en-US" dirty="0"/>
+          </a:p>
+        </p:txBody>
+      </p:sp>
+      <p:sp>
+        <p:nvSpPr>
+          <p:cNvPr id="17" name="Shape 15"/>
+          <p:cNvSpPr/>
+          <p:nvPr/>
+        </p:nvSpPr>
+        <p:spPr>
+          <a:xfrm>
+            <a:off x="457200" y="2860923"/>
+            <a:ext cx="8229600" cy="0"/>
+          </a:xfrm>
+          <a:prstGeom prst="line">
+            <a:avLst/>
+          </a:prstGeom>
+          <a:noFill/>
+          <a:ln w="9525">
+            <a:solidFill>
+              <a:srgbClr val="CCCCCC"/>
+            </a:solidFill>
+            <a:prstDash val="solid"/>
+          </a:ln>
+        </p:spPr>
+      </p:sp>
+      <p:sp>
+        <p:nvSpPr>
+          <p:cNvPr id="18" name="Text 16"/>
+          <p:cNvSpPr/>
+          <p:nvPr/>
+        </p:nvSpPr>
+        <p:spPr>
+          <a:xfrm>
+            <a:off x="457200" y="2481709"/>
+            <a:ext cx="2512975" cy="311051"/>
+          </a:xfrm>
+          <a:prstGeom prst="rect">
+            <a:avLst/>
+          </a:prstGeom>
+          <a:noFill/>
+          <a:ln/>
+        </p:spPr>
+        <p:txBody>
+          <a:bodyPr wrap="square" lIns="88900" tIns="50800" rIns="88900" bIns="50800" rtlCol="0" anchor="t"/>
+          <a:lstStyle/>
+          <a:p>
+            <a:pPr algn="l" indent="0" marL="0">
+              <a:spcAft>
+                <a:spcPts val="500"/>
+              </a:spcAft>
+              <a:buNone/>
+            </a:pPr>
+            <a:r>
+              <a:rPr lang="en-US" sz="1400" b="1" dirty="0">
+                <a:solidFill>
+                  <a:srgbClr val="2C2C2C"/>
+                </a:solidFill>
+                <a:latin typeface="Arial" pitchFamily="34" charset="0"/>
+                <a:ea typeface="Arial" pitchFamily="34" charset="-122"/>
+                <a:cs typeface="Arial" pitchFamily="34" charset="-120"/>
+              </a:rPr>
+              <a:t>Agent</a:t>
+            </a:r>
+            <a:endParaRPr lang="en-US" sz="1400" dirty="0"/>
+          </a:p>
+        </p:txBody>
+      </p:sp>
+      <p:sp>
+        <p:nvSpPr>
+          <p:cNvPr id="19" name="Text 17"/>
+          <p:cNvSpPr/>
+          <p:nvPr/>
+        </p:nvSpPr>
+        <p:spPr>
+          <a:xfrm>
+            <a:off x="2920901" y="2481709"/>
+            <a:ext cx="5881217" cy="311051"/>
+          </a:xfrm>
+          <a:prstGeom prst="rect">
+            <a:avLst/>
+          </a:prstGeom>
+          <a:noFill/>
+          <a:ln/>
+        </p:spPr>
+        <p:txBody>
+          <a:bodyPr wrap="square" lIns="88900" tIns="50800" rIns="88900" bIns="50800" rtlCol="0" anchor="t"/>
+          <a:lstStyle/>
+          <a:p>
+            <a:pPr algn="l" indent="0" marL="0">
+              <a:spcAft>
+                <a:spcPts val="500"/>
+              </a:spcAft>
+              <a:buNone/>
+            </a:pPr>
+            <a:r>
+              <a:rPr lang="en-US" sz="1400" dirty="0">
+                <a:solidFill>
+                  <a:srgbClr val="2C2C2C"/>
+                </a:solidFill>
+                <a:latin typeface="Arial" pitchFamily="34" charset="0"/>
+                <a:ea typeface="Arial" pitchFamily="34" charset="-122"/>
+                <a:cs typeface="Arial" pitchFamily="34" charset="-120"/>
+              </a:rPr>
+              <a:t>AI that follows multi-step instructions through a plan</a:t>
+            </a:r>
+            <a:endParaRPr lang="en-US" sz="1400" dirty="0"/>
+          </a:p>
+        </p:txBody>
+      </p:sp>
+      <p:sp>
+        <p:nvSpPr>
+          <p:cNvPr id="20" name="Text 18"/>
+          <p:cNvSpPr/>
+          <p:nvPr/>
+        </p:nvSpPr>
+        <p:spPr>
+          <a:xfrm>
+            <a:off x="457200" y="2865686"/>
+            <a:ext cx="8229600" cy="383977"/>
+          </a:xfrm>
+          <a:prstGeom prst="rect">
+            <a:avLst/>
+          </a:prstGeom>
+          <a:solidFill>
+            <a:srgbClr val="FFFFFF"/>
+          </a:solidFill>
+          <a:ln/>
+        </p:spPr>
+        <p:txBody>
+          <a:bodyPr wrap="square" rtlCol="0" anchor="ctr"/>
+          <a:lstStyle/>
+          <a:p>
+            <a:pPr indent="0" marL="0">
+              <a:buNone/>
+            </a:pPr>
+            <a:endParaRPr lang="en-US" dirty="0"/>
+          </a:p>
+        </p:txBody>
+      </p:sp>
+      <p:sp>
+        <p:nvSpPr>
+          <p:cNvPr id="21" name="Shape 19"/>
+          <p:cNvSpPr/>
+          <p:nvPr/>
+        </p:nvSpPr>
+        <p:spPr>
+          <a:xfrm>
+            <a:off x="457200" y="3244900"/>
+            <a:ext cx="8229600" cy="0"/>
+          </a:xfrm>
+          <a:prstGeom prst="line">
+            <a:avLst/>
+          </a:prstGeom>
+          <a:noFill/>
+          <a:ln w="9525">
+            <a:solidFill>
+              <a:srgbClr val="CCCCCC"/>
+            </a:solidFill>
+            <a:prstDash val="solid"/>
+          </a:ln>
+        </p:spPr>
+      </p:sp>
+      <p:sp>
+        <p:nvSpPr>
+          <p:cNvPr id="22" name="Text 20"/>
+          <p:cNvSpPr/>
+          <p:nvPr/>
+        </p:nvSpPr>
+        <p:spPr>
+          <a:xfrm>
+            <a:off x="457200" y="2865686"/>
+            <a:ext cx="2512975" cy="311051"/>
+          </a:xfrm>
+          <a:prstGeom prst="rect">
+            <a:avLst/>
+          </a:prstGeom>
+          <a:noFill/>
+          <a:ln/>
+        </p:spPr>
+        <p:txBody>
+          <a:bodyPr wrap="square" lIns="88900" tIns="50800" rIns="88900" bIns="50800" rtlCol="0" anchor="t"/>
+          <a:lstStyle/>
+          <a:p>
+            <a:pPr algn="l" indent="0" marL="0">
+              <a:spcAft>
+                <a:spcPts val="500"/>
+              </a:spcAft>
+              <a:buNone/>
+            </a:pPr>
+            <a:r>
+              <a:rPr lang="en-US" sz="1400" b="1" dirty="0">
+                <a:solidFill>
+                  <a:srgbClr val="2C2C2C"/>
+                </a:solidFill>
+                <a:latin typeface="Arial" pitchFamily="34" charset="0"/>
+                <a:ea typeface="Arial" pitchFamily="34" charset="-122"/>
+                <a:cs typeface="Arial" pitchFamily="34" charset="-120"/>
+              </a:rPr>
+              <a:t>Natural language</a:t>
+            </a:r>
+            <a:endParaRPr lang="en-US" sz="1400" dirty="0"/>
+          </a:p>
+        </p:txBody>
+      </p:sp>
+      <p:sp>
+        <p:nvSpPr>
+          <p:cNvPr id="23" name="Text 21"/>
+          <p:cNvSpPr/>
+          <p:nvPr/>
+        </p:nvSpPr>
+        <p:spPr>
+          <a:xfrm>
+            <a:off x="2920901" y="2865686"/>
+            <a:ext cx="5881217" cy="311051"/>
+          </a:xfrm>
+          <a:prstGeom prst="rect">
+            <a:avLst/>
+          </a:prstGeom>
+          <a:noFill/>
+          <a:ln/>
+        </p:spPr>
+        <p:txBody>
+          <a:bodyPr wrap="square" lIns="88900" tIns="50800" rIns="88900" bIns="50800" rtlCol="0" anchor="t"/>
+          <a:lstStyle/>
+          <a:p>
+            <a:pPr algn="l" indent="0" marL="0">
+              <a:spcAft>
+                <a:spcPts val="500"/>
+              </a:spcAft>
+              <a:buNone/>
+            </a:pPr>
+            <a:r>
+              <a:rPr lang="en-US" sz="1400" dirty="0">
+                <a:solidFill>
+                  <a:srgbClr val="2C2C2C"/>
+                </a:solidFill>
+                <a:latin typeface="Arial" pitchFamily="34" charset="0"/>
+                <a:ea typeface="Arial" pitchFamily="34" charset="-122"/>
+                <a:cs typeface="Arial" pitchFamily="34" charset="-120"/>
+              </a:rPr>
+              <a:t>Everyday English, as opposed to code or commands</a:t>
+            </a:r>
+            <a:endParaRPr lang="en-US" sz="1400" dirty="0"/>
+          </a:p>
+        </p:txBody>
+      </p:sp>
+      <p:sp>
+        <p:nvSpPr>
+          <p:cNvPr id="24" name="Text 22"/>
+          <p:cNvSpPr/>
+          <p:nvPr/>
+        </p:nvSpPr>
+        <p:spPr>
+          <a:xfrm>
+            <a:off x="457200" y="3249662"/>
+            <a:ext cx="8229600" cy="383977"/>
+          </a:xfrm>
+          <a:prstGeom prst="rect">
+            <a:avLst/>
+          </a:prstGeom>
+          <a:solidFill>
+            <a:srgbClr val="F4F1DE"/>
+          </a:solidFill>
+          <a:ln/>
+        </p:spPr>
+        <p:txBody>
+          <a:bodyPr wrap="square" rtlCol="0" anchor="ctr"/>
+          <a:lstStyle/>
+          <a:p>
+            <a:pPr indent="0" marL="0">
+              <a:buNone/>
+            </a:pPr>
+            <a:endParaRPr lang="en-US" dirty="0"/>
+          </a:p>
+        </p:txBody>
+      </p:sp>
+      <p:sp>
+        <p:nvSpPr>
+          <p:cNvPr id="25" name="Shape 23"/>
+          <p:cNvSpPr/>
+          <p:nvPr/>
+        </p:nvSpPr>
+        <p:spPr>
+          <a:xfrm>
+            <a:off x="457200" y="3628876"/>
+            <a:ext cx="8229600" cy="0"/>
+          </a:xfrm>
+          <a:prstGeom prst="line">
+            <a:avLst/>
+          </a:prstGeom>
+          <a:noFill/>
+          <a:ln w="9525">
+            <a:solidFill>
+              <a:srgbClr val="CCCCCC"/>
+            </a:solidFill>
+            <a:prstDash val="solid"/>
+          </a:ln>
+        </p:spPr>
+      </p:sp>
+      <p:sp>
+        <p:nvSpPr>
+          <p:cNvPr id="26" name="Text 24"/>
+          <p:cNvSpPr/>
+          <p:nvPr/>
+        </p:nvSpPr>
+        <p:spPr>
+          <a:xfrm>
+            <a:off x="457200" y="3249662"/>
+            <a:ext cx="2512975" cy="311051"/>
+          </a:xfrm>
+          <a:prstGeom prst="rect">
+            <a:avLst/>
+          </a:prstGeom>
+          <a:noFill/>
+          <a:ln/>
+        </p:spPr>
+        <p:txBody>
+          <a:bodyPr wrap="square" lIns="88900" tIns="50800" rIns="88900" bIns="50800" rtlCol="0" anchor="t"/>
+          <a:lstStyle/>
+          <a:p>
+            <a:pPr algn="l" indent="0" marL="0">
+              <a:spcAft>
+                <a:spcPts val="500"/>
+              </a:spcAft>
+              <a:buNone/>
+            </a:pPr>
+            <a:r>
+              <a:rPr lang="en-US" sz="1400" b="1" dirty="0">
+                <a:solidFill>
+                  <a:srgbClr val="2C2C2C"/>
+                </a:solidFill>
+                <a:latin typeface="Arial" pitchFamily="34" charset="0"/>
+                <a:ea typeface="Arial" pitchFamily="34" charset="-122"/>
+                <a:cs typeface="Arial" pitchFamily="34" charset="-120"/>
+              </a:rPr>
+              <a:t>Prompt engineering</a:t>
+            </a:r>
+            <a:endParaRPr lang="en-US" sz="1400" dirty="0"/>
+          </a:p>
+        </p:txBody>
+      </p:sp>
+      <p:sp>
+        <p:nvSpPr>
+          <p:cNvPr id="27" name="Text 25"/>
+          <p:cNvSpPr/>
+          <p:nvPr/>
+        </p:nvSpPr>
+        <p:spPr>
+          <a:xfrm>
+            <a:off x="2920901" y="3249662"/>
+            <a:ext cx="5881217" cy="311051"/>
+          </a:xfrm>
+          <a:prstGeom prst="rect">
+            <a:avLst/>
+          </a:prstGeom>
+          <a:noFill/>
+          <a:ln/>
+        </p:spPr>
+        <p:txBody>
+          <a:bodyPr wrap="square" lIns="88900" tIns="50800" rIns="88900" bIns="50800" rtlCol="0" anchor="t"/>
+          <a:lstStyle/>
+          <a:p>
+            <a:pPr algn="l" indent="0" marL="0">
+              <a:spcAft>
+                <a:spcPts val="500"/>
+              </a:spcAft>
+              <a:buNone/>
+            </a:pPr>
+            <a:r>
+              <a:rPr lang="en-US" sz="1400" dirty="0">
+                <a:solidFill>
+                  <a:srgbClr val="2C2C2C"/>
+                </a:solidFill>
+                <a:latin typeface="Arial" pitchFamily="34" charset="0"/>
+                <a:ea typeface="Arial" pitchFamily="34" charset="-122"/>
+                <a:cs typeface="Arial" pitchFamily="34" charset="-120"/>
+              </a:rPr>
+              <a:t>Writing clear instructions to get good AI results</a:t>
+            </a:r>
+            <a:endParaRPr lang="en-US" sz="1400" dirty="0"/>
+          </a:p>
+        </p:txBody>
+      </p:sp>
+      <p:sp>
+        <p:nvSpPr>
+          <p:cNvPr id="28" name="Text 26"/>
+          <p:cNvSpPr/>
+          <p:nvPr/>
+        </p:nvSpPr>
+        <p:spPr>
+          <a:xfrm>
+            <a:off x="457200" y="3633639"/>
+            <a:ext cx="8229600" cy="383977"/>
+          </a:xfrm>
+          <a:prstGeom prst="rect">
+            <a:avLst/>
+          </a:prstGeom>
+          <a:solidFill>
+            <a:srgbClr val="FFFFFF"/>
+          </a:solidFill>
+          <a:ln/>
+        </p:spPr>
+        <p:txBody>
+          <a:bodyPr wrap="square" rtlCol="0" anchor="ctr"/>
+          <a:lstStyle/>
+          <a:p>
+            <a:pPr indent="0" marL="0">
+              <a:buNone/>
+            </a:pPr>
+            <a:endParaRPr lang="en-US" dirty="0"/>
+          </a:p>
+        </p:txBody>
+      </p:sp>
+      <p:sp>
+        <p:nvSpPr>
+          <p:cNvPr id="29" name="Shape 27"/>
+          <p:cNvSpPr/>
+          <p:nvPr/>
+        </p:nvSpPr>
+        <p:spPr>
+          <a:xfrm>
+            <a:off x="457200" y="4012853"/>
+            <a:ext cx="8229600" cy="0"/>
+          </a:xfrm>
+          <a:prstGeom prst="line">
+            <a:avLst/>
+          </a:prstGeom>
+          <a:noFill/>
+          <a:ln w="9525">
+            <a:solidFill>
+              <a:srgbClr val="CCCCCC"/>
+            </a:solidFill>
+            <a:prstDash val="solid"/>
+          </a:ln>
+        </p:spPr>
+      </p:sp>
+      <p:sp>
+        <p:nvSpPr>
+          <p:cNvPr id="30" name="Text 28"/>
+          <p:cNvSpPr/>
+          <p:nvPr/>
+        </p:nvSpPr>
+        <p:spPr>
+          <a:xfrm>
+            <a:off x="457200" y="3633639"/>
+            <a:ext cx="2512975" cy="311051"/>
+          </a:xfrm>
+          <a:prstGeom prst="rect">
+            <a:avLst/>
+          </a:prstGeom>
+          <a:noFill/>
+          <a:ln/>
+        </p:spPr>
+        <p:txBody>
+          <a:bodyPr wrap="square" lIns="88900" tIns="50800" rIns="88900" bIns="50800" rtlCol="0" anchor="t"/>
+          <a:lstStyle/>
+          <a:p>
+            <a:pPr algn="l" indent="0" marL="0">
+              <a:spcAft>
+                <a:spcPts val="500"/>
+              </a:spcAft>
+              <a:buNone/>
+            </a:pPr>
+            <a:r>
+              <a:rPr lang="en-US" sz="1400" b="1" dirty="0">
+                <a:solidFill>
+                  <a:srgbClr val="2C2C2C"/>
+                </a:solidFill>
+                <a:latin typeface="Arial" pitchFamily="34" charset="0"/>
+                <a:ea typeface="Arial" pitchFamily="34" charset="-122"/>
+                <a:cs typeface="Arial" pitchFamily="34" charset="-120"/>
+              </a:rPr>
+              <a:t>Guardrails</a:t>
+            </a:r>
+            <a:endParaRPr lang="en-US" sz="1400" dirty="0"/>
+          </a:p>
+        </p:txBody>
+      </p:sp>
+      <p:sp>
+        <p:nvSpPr>
+          <p:cNvPr id="31" name="Text 29"/>
+          <p:cNvSpPr/>
+          <p:nvPr/>
+        </p:nvSpPr>
+        <p:spPr>
+          <a:xfrm>
+            <a:off x="2920901" y="3633639"/>
+            <a:ext cx="5881217" cy="311051"/>
+          </a:xfrm>
+          <a:prstGeom prst="rect">
+            <a:avLst/>
+          </a:prstGeom>
+          <a:noFill/>
+          <a:ln/>
+        </p:spPr>
+        <p:txBody>
+          <a:bodyPr wrap="square" lIns="88900" tIns="50800" rIns="88900" bIns="50800" rtlCol="0" anchor="t"/>
+          <a:lstStyle/>
+          <a:p>
+            <a:pPr algn="l" indent="0" marL="0">
+              <a:spcAft>
+                <a:spcPts val="500"/>
+              </a:spcAft>
+              <a:buNone/>
+            </a:pPr>
+            <a:r>
+              <a:rPr lang="en-US" sz="1400" dirty="0">
+                <a:solidFill>
+                  <a:srgbClr val="2C2C2C"/>
+                </a:solidFill>
+                <a:latin typeface="Arial" pitchFamily="34" charset="0"/>
+                <a:ea typeface="Arial" pitchFamily="34" charset="-122"/>
+                <a:cs typeface="Arial" pitchFamily="34" charset="-120"/>
+              </a:rPr>
+              <a:t>Limits that prevent AI from acting without permission</a:t>
+            </a:r>
+            <a:endParaRPr lang="en-US" sz="1400" dirty="0"/>
+          </a:p>
+        </p:txBody>
+      </p:sp>
+      <p:sp>
+        <p:nvSpPr>
+          <p:cNvPr id="32" name="Text 30"/>
+          <p:cNvSpPr/>
+          <p:nvPr/>
+        </p:nvSpPr>
+        <p:spPr>
+          <a:xfrm>
+            <a:off x="457200" y="4017615"/>
+            <a:ext cx="8229600" cy="383977"/>
+          </a:xfrm>
+          <a:prstGeom prst="rect">
+            <a:avLst/>
+          </a:prstGeom>
+          <a:solidFill>
+            <a:srgbClr val="F4F1DE"/>
+          </a:solidFill>
+          <a:ln/>
+        </p:spPr>
+        <p:txBody>
+          <a:bodyPr wrap="square" rtlCol="0" anchor="ctr"/>
+          <a:lstStyle/>
+          <a:p>
+            <a:pPr indent="0" marL="0">
+              <a:buNone/>
+            </a:pPr>
+            <a:endParaRPr lang="en-US" dirty="0"/>
+          </a:p>
+        </p:txBody>
+      </p:sp>
+      <p:sp>
+        <p:nvSpPr>
+          <p:cNvPr id="33" name="Shape 31"/>
+          <p:cNvSpPr/>
+          <p:nvPr/>
+        </p:nvSpPr>
+        <p:spPr>
+          <a:xfrm>
+            <a:off x="457200" y="4396829"/>
+            <a:ext cx="8229600" cy="0"/>
+          </a:xfrm>
+          <a:prstGeom prst="line">
+            <a:avLst/>
+          </a:prstGeom>
+          <a:noFill/>
+          <a:ln w="9525">
+            <a:solidFill>
+              <a:srgbClr val="CCCCCC"/>
+            </a:solidFill>
+            <a:prstDash val="solid"/>
+          </a:ln>
+        </p:spPr>
+      </p:sp>
+      <p:sp>
+        <p:nvSpPr>
+          <p:cNvPr id="34" name="Text 32"/>
+          <p:cNvSpPr/>
+          <p:nvPr/>
+        </p:nvSpPr>
+        <p:spPr>
+          <a:xfrm>
+            <a:off x="457200" y="4017615"/>
+            <a:ext cx="2512975" cy="311051"/>
+          </a:xfrm>
+          <a:prstGeom prst="rect">
+            <a:avLst/>
+          </a:prstGeom>
+          <a:noFill/>
+          <a:ln/>
+        </p:spPr>
+        <p:txBody>
+          <a:bodyPr wrap="square" lIns="88900" tIns="50800" rIns="88900" bIns="50800" rtlCol="0" anchor="t"/>
+          <a:lstStyle/>
+          <a:p>
+            <a:pPr algn="l" indent="0" marL="0">
+              <a:spcAft>
+                <a:spcPts val="500"/>
+              </a:spcAft>
+              <a:buNone/>
+            </a:pPr>
+            <a:r>
+              <a:rPr lang="en-US" sz="1400" b="1" dirty="0">
+                <a:solidFill>
+                  <a:srgbClr val="2C2C2C"/>
+                </a:solidFill>
+                <a:latin typeface="Arial" pitchFamily="34" charset="0"/>
+                <a:ea typeface="Arial" pitchFamily="34" charset="-122"/>
+                <a:cs typeface="Arial" pitchFamily="34" charset="-120"/>
+              </a:rPr>
+              <a:t>Human-in-the-loop</a:t>
+            </a:r>
+            <a:endParaRPr lang="en-US" sz="1400" dirty="0"/>
+          </a:p>
+        </p:txBody>
+      </p:sp>
+      <p:sp>
+        <p:nvSpPr>
+          <p:cNvPr id="35" name="Text 33"/>
+          <p:cNvSpPr/>
+          <p:nvPr/>
+        </p:nvSpPr>
+        <p:spPr>
+          <a:xfrm>
+            <a:off x="2920901" y="4017615"/>
+            <a:ext cx="5881217" cy="311051"/>
+          </a:xfrm>
+          <a:prstGeom prst="rect">
+            <a:avLst/>
+          </a:prstGeom>
+          <a:noFill/>
+          <a:ln/>
+        </p:spPr>
+        <p:txBody>
+          <a:bodyPr wrap="square" lIns="88900" tIns="50800" rIns="88900" bIns="50800" rtlCol="0" anchor="t"/>
+          <a:lstStyle/>
+          <a:p>
+            <a:pPr algn="l" indent="0" marL="0">
+              <a:spcAft>
+                <a:spcPts val="500"/>
+              </a:spcAft>
+              <a:buNone/>
+            </a:pPr>
+            <a:r>
+              <a:rPr lang="en-US" sz="1400" dirty="0">
+                <a:solidFill>
+                  <a:srgbClr val="2C2C2C"/>
+                </a:solidFill>
+                <a:latin typeface="Arial" pitchFamily="34" charset="0"/>
+                <a:ea typeface="Arial" pitchFamily="34" charset="-122"/>
+                <a:cs typeface="Arial" pitchFamily="34" charset="-120"/>
+              </a:rPr>
+              <a:t>A person reviews and approves AI work before it takes effect</a:t>
+            </a:r>
+            <a:endParaRPr lang="en-US" sz="1400" dirty="0"/>
           </a:p>
         </p:txBody>
       </p:sp>
@@ -9859,7 +12828,7 @@
     <p:bg>
       <p:bgPr>
         <a:solidFill>
-          <a:srgbClr val="FFFFFF"/>
+          <a:srgbClr val="F4F1DE"/>
         </a:solidFill>
       </p:bgPr>
     </p:bg>
@@ -9886,7 +12855,7 @@
         <p:spPr>
           <a:xfrm>
             <a:off x="0" y="0"/>
-            <a:ext cx="9144000" cy="863501"/>
+            <a:ext cx="9144000" cy="914102"/>
           </a:xfrm>
           <a:prstGeom prst="rect">
             <a:avLst/>
@@ -9915,7 +12884,7 @@
         </p:nvSpPr>
         <p:spPr>
           <a:xfrm>
-            <a:off x="355550" y="246013"/>
+            <a:off x="457200" y="271314"/>
             <a:ext cx="5682353" cy="371475"/>
           </a:xfrm>
           <a:prstGeom prst="rect">
@@ -9954,8 +12923,8 @@
         </p:nvSpPr>
         <p:spPr>
           <a:xfrm>
-            <a:off x="355550" y="1130052"/>
-            <a:ext cx="8601557" cy="325636"/>
+            <a:off x="457200" y="1041053"/>
+            <a:ext cx="8394192" cy="209550"/>
           </a:xfrm>
           <a:prstGeom prst="rect">
             <a:avLst/>
@@ -9968,29 +12937,802 @@
           <a:lstStyle/>
           <a:p>
             <a:pPr algn="l" indent="0" marL="0">
-              <a:lnSpc>
-                <a:spcPts val="2565"/>
-              </a:lnSpc>
-              <a:spcBef>
+              <a:spcAft>
                 <a:spcPts val="500"/>
-              </a:spcBef>
+              </a:spcAft>
+              <a:buNone/>
+            </a:pPr>
+            <a:r>
+              <a:rPr lang="en-US" sz="1400" b="1" dirty="0">
+                <a:solidFill>
+                  <a:srgbClr val="2C2C2C"/>
+                </a:solidFill>
+                <a:latin typeface="Arial" pitchFamily="34" charset="0"/>
+                <a:ea typeface="Arial" pitchFamily="34" charset="-122"/>
+                <a:cs typeface="Arial" pitchFamily="34" charset="-120"/>
+              </a:rPr>
+              <a:t>Building with Spark is a simple cycle:</a:t>
+            </a:r>
+            <a:endParaRPr lang="en-US" sz="1400" dirty="0"/>
+          </a:p>
+        </p:txBody>
+      </p:sp>
+      <p:sp>
+        <p:nvSpPr>
+          <p:cNvPr id="5" name="Text 3"/>
+          <p:cNvSpPr/>
+          <p:nvPr/>
+        </p:nvSpPr>
+        <p:spPr>
+          <a:xfrm>
+            <a:off x="457200" y="1314004"/>
+            <a:ext cx="8229600" cy="399752"/>
+          </a:xfrm>
+          <a:prstGeom prst="roundRect">
+            <a:avLst>
+              <a:gd name="adj" fmla="val 12708"/>
+            </a:avLst>
+          </a:prstGeom>
+          <a:solidFill>
+            <a:srgbClr val="1E5128"/>
+          </a:solidFill>
+          <a:ln/>
+        </p:spPr>
+        <p:txBody>
+          <a:bodyPr wrap="square" rtlCol="0" anchor="ctr"/>
+          <a:lstStyle/>
+          <a:p>
+            <a:pPr indent="0" marL="0">
+              <a:buNone/>
+            </a:pPr>
+            <a:endParaRPr lang="en-US" dirty="0"/>
+          </a:p>
+        </p:txBody>
+      </p:sp>
+      <p:sp>
+        <p:nvSpPr>
+          <p:cNvPr id="6" name="Text 4"/>
+          <p:cNvSpPr/>
+          <p:nvPr/>
+        </p:nvSpPr>
+        <p:spPr>
+          <a:xfrm>
+            <a:off x="457200" y="1314004"/>
+            <a:ext cx="2046631" cy="336352"/>
+          </a:xfrm>
+          <a:prstGeom prst="rect">
+            <a:avLst/>
+          </a:prstGeom>
+          <a:noFill/>
+          <a:ln/>
+        </p:spPr>
+        <p:txBody>
+          <a:bodyPr wrap="square" lIns="88900" tIns="63500" rIns="88900" bIns="63500" rtlCol="0" anchor="t"/>
+          <a:lstStyle/>
+          <a:p>
+            <a:pPr algn="l" indent="0" marL="0">
               <a:spcAft>
                 <a:spcPts val="500"/>
               </a:spcAft>
               <a:buNone/>
             </a:pPr>
             <a:r>
-              <a:rPr lang="en-US" sz="1900" b="1" dirty="0">
-                <a:solidFill>
-                  <a:srgbClr val="2C2C2C"/>
-                </a:solidFill>
-                <a:latin typeface="Arial" pitchFamily="34" charset="0"/>
-                <a:ea typeface="Arial" pitchFamily="34" charset="-122"/>
-                <a:cs typeface="Arial" pitchFamily="34" charset="-120"/>
-              </a:rPr>
-              <a:t>Building with Spark is a simple cycle:</a:t>
-            </a:r>
-            <a:endParaRPr lang="en-US" sz="1900" dirty="0"/>
+              <a:rPr lang="en-US" sz="1400" b="1" dirty="0">
+                <a:solidFill>
+                  <a:srgbClr val="2C2C2C"/>
+                </a:solidFill>
+                <a:latin typeface="Arial" pitchFamily="34" charset="0"/>
+                <a:ea typeface="Arial" pitchFamily="34" charset="-122"/>
+                <a:cs typeface="Arial" pitchFamily="34" charset="-120"/>
+              </a:rPr>
+              <a:t>Step</a:t>
+            </a:r>
+            <a:endParaRPr lang="en-US" sz="1400" dirty="0"/>
+          </a:p>
+        </p:txBody>
+      </p:sp>
+      <p:sp>
+        <p:nvSpPr>
+          <p:cNvPr id="7" name="Text 5"/>
+          <p:cNvSpPr/>
+          <p:nvPr/>
+        </p:nvSpPr>
+        <p:spPr>
+          <a:xfrm>
+            <a:off x="2463701" y="1314004"/>
+            <a:ext cx="3445663" cy="336352"/>
+          </a:xfrm>
+          <a:prstGeom prst="rect">
+            <a:avLst/>
+          </a:prstGeom>
+          <a:noFill/>
+          <a:ln/>
+        </p:spPr>
+        <p:txBody>
+          <a:bodyPr wrap="square" lIns="88900" tIns="63500" rIns="88900" bIns="63500" rtlCol="0" anchor="t"/>
+          <a:lstStyle/>
+          <a:p>
+            <a:pPr algn="l" indent="0" marL="0">
+              <a:spcAft>
+                <a:spcPts val="500"/>
+              </a:spcAft>
+              <a:buNone/>
+            </a:pPr>
+            <a:r>
+              <a:rPr lang="en-US" sz="1400" b="1" dirty="0">
+                <a:solidFill>
+                  <a:srgbClr val="2C2C2C"/>
+                </a:solidFill>
+                <a:latin typeface="Arial" pitchFamily="34" charset="0"/>
+                <a:ea typeface="Arial" pitchFamily="34" charset="-122"/>
+                <a:cs typeface="Arial" pitchFamily="34" charset="-120"/>
+              </a:rPr>
+              <a:t>What You Do</a:t>
+            </a:r>
+            <a:endParaRPr lang="en-US" sz="1400" dirty="0"/>
+          </a:p>
+        </p:txBody>
+      </p:sp>
+      <p:sp>
+        <p:nvSpPr>
+          <p:cNvPr id="8" name="Text 6"/>
+          <p:cNvSpPr/>
+          <p:nvPr/>
+        </p:nvSpPr>
+        <p:spPr>
+          <a:xfrm>
+            <a:off x="5841802" y="1314004"/>
+            <a:ext cx="2901898" cy="336352"/>
+          </a:xfrm>
+          <a:prstGeom prst="rect">
+            <a:avLst/>
+          </a:prstGeom>
+          <a:noFill/>
+          <a:ln/>
+        </p:spPr>
+        <p:txBody>
+          <a:bodyPr wrap="square" lIns="88900" tIns="63500" rIns="88900" bIns="63500" rtlCol="0" anchor="t"/>
+          <a:lstStyle/>
+          <a:p>
+            <a:pPr algn="l" indent="0" marL="0">
+              <a:spcAft>
+                <a:spcPts val="500"/>
+              </a:spcAft>
+              <a:buNone/>
+            </a:pPr>
+            <a:r>
+              <a:rPr lang="en-US" sz="1400" b="1" dirty="0">
+                <a:solidFill>
+                  <a:srgbClr val="2C2C2C"/>
+                </a:solidFill>
+                <a:latin typeface="Arial" pitchFamily="34" charset="0"/>
+                <a:ea typeface="Arial" pitchFamily="34" charset="-122"/>
+                <a:cs typeface="Arial" pitchFamily="34" charset="-120"/>
+              </a:rPr>
+              <a:t>Farm Analogy</a:t>
+            </a:r>
+            <a:endParaRPr lang="en-US" sz="1400" dirty="0"/>
+          </a:p>
+        </p:txBody>
+      </p:sp>
+      <p:sp>
+        <p:nvSpPr>
+          <p:cNvPr id="9" name="Text 7"/>
+          <p:cNvSpPr/>
+          <p:nvPr/>
+        </p:nvSpPr>
+        <p:spPr>
+          <a:xfrm>
+            <a:off x="457200" y="1713756"/>
+            <a:ext cx="8229600" cy="593527"/>
+          </a:xfrm>
+          <a:prstGeom prst="rect">
+            <a:avLst/>
+          </a:prstGeom>
+          <a:solidFill>
+            <a:srgbClr val="F4F1DE"/>
+          </a:solidFill>
+          <a:ln/>
+        </p:spPr>
+        <p:txBody>
+          <a:bodyPr wrap="square" rtlCol="0" anchor="ctr"/>
+          <a:lstStyle/>
+          <a:p>
+            <a:pPr indent="0" marL="0">
+              <a:buNone/>
+            </a:pPr>
+            <a:endParaRPr lang="en-US" dirty="0"/>
+          </a:p>
+        </p:txBody>
+      </p:sp>
+      <p:sp>
+        <p:nvSpPr>
+          <p:cNvPr id="10" name="Shape 8"/>
+          <p:cNvSpPr/>
+          <p:nvPr/>
+        </p:nvSpPr>
+        <p:spPr>
+          <a:xfrm>
+            <a:off x="457200" y="2302520"/>
+            <a:ext cx="8229600" cy="0"/>
+          </a:xfrm>
+          <a:prstGeom prst="line">
+            <a:avLst/>
+          </a:prstGeom>
+          <a:noFill/>
+          <a:ln w="9525">
+            <a:solidFill>
+              <a:srgbClr val="CCCCCC"/>
+            </a:solidFill>
+            <a:prstDash val="solid"/>
+          </a:ln>
+        </p:spPr>
+      </p:sp>
+      <p:sp>
+        <p:nvSpPr>
+          <p:cNvPr id="11" name="Text 9"/>
+          <p:cNvSpPr/>
+          <p:nvPr/>
+        </p:nvSpPr>
+        <p:spPr>
+          <a:xfrm>
+            <a:off x="457200" y="1713756"/>
+            <a:ext cx="2046631" cy="520601"/>
+          </a:xfrm>
+          <a:prstGeom prst="rect">
+            <a:avLst/>
+          </a:prstGeom>
+          <a:noFill/>
+          <a:ln/>
+        </p:spPr>
+        <p:txBody>
+          <a:bodyPr wrap="square" lIns="88900" tIns="50800" rIns="88900" bIns="50800" rtlCol="0" anchor="t"/>
+          <a:lstStyle/>
+          <a:p>
+            <a:pPr algn="l" indent="0" marL="0">
+              <a:spcAft>
+                <a:spcPts val="500"/>
+              </a:spcAft>
+              <a:buNone/>
+            </a:pPr>
+            <a:r>
+              <a:rPr lang="en-US" sz="1400" b="1" dirty="0">
+                <a:solidFill>
+                  <a:srgbClr val="2C2C2C"/>
+                </a:solidFill>
+                <a:latin typeface="Arial" pitchFamily="34" charset="0"/>
+                <a:ea typeface="Arial" pitchFamily="34" charset="-122"/>
+                <a:cs typeface="Arial" pitchFamily="34" charset="-120"/>
+              </a:rPr>
+              <a:t>1. Describe</a:t>
+            </a:r>
+            <a:endParaRPr lang="en-US" sz="1400" dirty="0"/>
+          </a:p>
+        </p:txBody>
+      </p:sp>
+      <p:sp>
+        <p:nvSpPr>
+          <p:cNvPr id="12" name="Text 10"/>
+          <p:cNvSpPr/>
+          <p:nvPr/>
+        </p:nvSpPr>
+        <p:spPr>
+          <a:xfrm>
+            <a:off x="2463701" y="1713756"/>
+            <a:ext cx="3445663" cy="520601"/>
+          </a:xfrm>
+          <a:prstGeom prst="rect">
+            <a:avLst/>
+          </a:prstGeom>
+          <a:noFill/>
+          <a:ln/>
+        </p:spPr>
+        <p:txBody>
+          <a:bodyPr wrap="square" lIns="88900" tIns="50800" rIns="88900" bIns="50800" rtlCol="0" anchor="t"/>
+          <a:lstStyle/>
+          <a:p>
+            <a:pPr algn="l" indent="0" marL="0">
+              <a:spcAft>
+                <a:spcPts val="500"/>
+              </a:spcAft>
+              <a:buNone/>
+            </a:pPr>
+            <a:r>
+              <a:rPr lang="en-US" sz="1400" dirty="0">
+                <a:solidFill>
+                  <a:srgbClr val="2C2C2C"/>
+                </a:solidFill>
+                <a:latin typeface="Arial" pitchFamily="34" charset="0"/>
+                <a:ea typeface="Arial" pitchFamily="34" charset="-122"/>
+                <a:cs typeface="Arial" pitchFamily="34" charset="-120"/>
+              </a:rPr>
+              <a:t>Type what you want in plain English</a:t>
+            </a:r>
+            <a:endParaRPr lang="en-US" sz="1400" dirty="0"/>
+          </a:p>
+        </p:txBody>
+      </p:sp>
+      <p:sp>
+        <p:nvSpPr>
+          <p:cNvPr id="13" name="Text 11"/>
+          <p:cNvSpPr/>
+          <p:nvPr/>
+        </p:nvSpPr>
+        <p:spPr>
+          <a:xfrm>
+            <a:off x="5841802" y="1713756"/>
+            <a:ext cx="2901898" cy="520601"/>
+          </a:xfrm>
+          <a:prstGeom prst="rect">
+            <a:avLst/>
+          </a:prstGeom>
+          <a:noFill/>
+          <a:ln/>
+        </p:spPr>
+        <p:txBody>
+          <a:bodyPr wrap="square" lIns="88900" tIns="50800" rIns="88900" bIns="50800" rtlCol="0" anchor="t"/>
+          <a:lstStyle/>
+          <a:p>
+            <a:pPr algn="l" indent="0" marL="0">
+              <a:spcAft>
+                <a:spcPts val="500"/>
+              </a:spcAft>
+              <a:buNone/>
+            </a:pPr>
+            <a:r>
+              <a:rPr lang="en-US" sz="1400" dirty="0">
+                <a:solidFill>
+                  <a:srgbClr val="2C2C2C"/>
+                </a:solidFill>
+                <a:latin typeface="Arial" pitchFamily="34" charset="0"/>
+                <a:ea typeface="Arial" pitchFamily="34" charset="-122"/>
+                <a:cs typeface="Arial" pitchFamily="34" charset="-120"/>
+              </a:rPr>
+              <a:t>Telling a farmhand what tool you need</a:t>
+            </a:r>
+            <a:endParaRPr lang="en-US" sz="1400" dirty="0"/>
+          </a:p>
+        </p:txBody>
+      </p:sp>
+      <p:sp>
+        <p:nvSpPr>
+          <p:cNvPr id="14" name="Text 12"/>
+          <p:cNvSpPr/>
+          <p:nvPr/>
+        </p:nvSpPr>
+        <p:spPr>
+          <a:xfrm>
+            <a:off x="457200" y="2307282"/>
+            <a:ext cx="8229600" cy="593527"/>
+          </a:xfrm>
+          <a:prstGeom prst="rect">
+            <a:avLst/>
+          </a:prstGeom>
+          <a:solidFill>
+            <a:srgbClr val="FFFFFF"/>
+          </a:solidFill>
+          <a:ln/>
+        </p:spPr>
+        <p:txBody>
+          <a:bodyPr wrap="square" rtlCol="0" anchor="ctr"/>
+          <a:lstStyle/>
+          <a:p>
+            <a:pPr indent="0" marL="0">
+              <a:buNone/>
+            </a:pPr>
+            <a:endParaRPr lang="en-US" dirty="0"/>
+          </a:p>
+        </p:txBody>
+      </p:sp>
+      <p:sp>
+        <p:nvSpPr>
+          <p:cNvPr id="15" name="Shape 13"/>
+          <p:cNvSpPr/>
+          <p:nvPr/>
+        </p:nvSpPr>
+        <p:spPr>
+          <a:xfrm>
+            <a:off x="457200" y="2896046"/>
+            <a:ext cx="8229600" cy="0"/>
+          </a:xfrm>
+          <a:prstGeom prst="line">
+            <a:avLst/>
+          </a:prstGeom>
+          <a:noFill/>
+          <a:ln w="9525">
+            <a:solidFill>
+              <a:srgbClr val="CCCCCC"/>
+            </a:solidFill>
+            <a:prstDash val="solid"/>
+          </a:ln>
+        </p:spPr>
+      </p:sp>
+      <p:sp>
+        <p:nvSpPr>
+          <p:cNvPr id="16" name="Text 14"/>
+          <p:cNvSpPr/>
+          <p:nvPr/>
+        </p:nvSpPr>
+        <p:spPr>
+          <a:xfrm>
+            <a:off x="457200" y="2307282"/>
+            <a:ext cx="2046631" cy="520601"/>
+          </a:xfrm>
+          <a:prstGeom prst="rect">
+            <a:avLst/>
+          </a:prstGeom>
+          <a:noFill/>
+          <a:ln/>
+        </p:spPr>
+        <p:txBody>
+          <a:bodyPr wrap="square" lIns="88900" tIns="50800" rIns="88900" bIns="50800" rtlCol="0" anchor="t"/>
+          <a:lstStyle/>
+          <a:p>
+            <a:pPr algn="l" indent="0" marL="0">
+              <a:spcAft>
+                <a:spcPts val="500"/>
+              </a:spcAft>
+              <a:buNone/>
+            </a:pPr>
+            <a:r>
+              <a:rPr lang="en-US" sz="1400" b="1" dirty="0">
+                <a:solidFill>
+                  <a:srgbClr val="2C2C2C"/>
+                </a:solidFill>
+                <a:latin typeface="Arial" pitchFamily="34" charset="0"/>
+                <a:ea typeface="Arial" pitchFamily="34" charset="-122"/>
+                <a:cs typeface="Arial" pitchFamily="34" charset="-120"/>
+              </a:rPr>
+              <a:t>2. Review</a:t>
+            </a:r>
+            <a:endParaRPr lang="en-US" sz="1400" dirty="0"/>
+          </a:p>
+        </p:txBody>
+      </p:sp>
+      <p:sp>
+        <p:nvSpPr>
+          <p:cNvPr id="17" name="Text 15"/>
+          <p:cNvSpPr/>
+          <p:nvPr/>
+        </p:nvSpPr>
+        <p:spPr>
+          <a:xfrm>
+            <a:off x="2463701" y="2307282"/>
+            <a:ext cx="3445663" cy="520601"/>
+          </a:xfrm>
+          <a:prstGeom prst="rect">
+            <a:avLst/>
+          </a:prstGeom>
+          <a:noFill/>
+          <a:ln/>
+        </p:spPr>
+        <p:txBody>
+          <a:bodyPr wrap="square" lIns="88900" tIns="50800" rIns="88900" bIns="50800" rtlCol="0" anchor="t"/>
+          <a:lstStyle/>
+          <a:p>
+            <a:pPr algn="l" indent="0" marL="0">
+              <a:spcAft>
+                <a:spcPts val="500"/>
+              </a:spcAft>
+              <a:buNone/>
+            </a:pPr>
+            <a:r>
+              <a:rPr lang="en-US" sz="1400" dirty="0">
+                <a:solidFill>
+                  <a:srgbClr val="2C2C2C"/>
+                </a:solidFill>
+                <a:latin typeface="Arial" pitchFamily="34" charset="0"/>
+                <a:ea typeface="Arial" pitchFamily="34" charset="-122"/>
+                <a:cs typeface="Arial" pitchFamily="34" charset="-120"/>
+              </a:rPr>
+              <a:t>Look at what Spark built and test it</a:t>
+            </a:r>
+            <a:endParaRPr lang="en-US" sz="1400" dirty="0"/>
+          </a:p>
+        </p:txBody>
+      </p:sp>
+      <p:sp>
+        <p:nvSpPr>
+          <p:cNvPr id="18" name="Text 16"/>
+          <p:cNvSpPr/>
+          <p:nvPr/>
+        </p:nvSpPr>
+        <p:spPr>
+          <a:xfrm>
+            <a:off x="5841802" y="2307282"/>
+            <a:ext cx="2901898" cy="520601"/>
+          </a:xfrm>
+          <a:prstGeom prst="rect">
+            <a:avLst/>
+          </a:prstGeom>
+          <a:noFill/>
+          <a:ln/>
+        </p:spPr>
+        <p:txBody>
+          <a:bodyPr wrap="square" lIns="88900" tIns="50800" rIns="88900" bIns="50800" rtlCol="0" anchor="t"/>
+          <a:lstStyle/>
+          <a:p>
+            <a:pPr algn="l" indent="0" marL="0">
+              <a:spcAft>
+                <a:spcPts val="500"/>
+              </a:spcAft>
+              <a:buNone/>
+            </a:pPr>
+            <a:r>
+              <a:rPr lang="en-US" sz="1400" dirty="0">
+                <a:solidFill>
+                  <a:srgbClr val="2C2C2C"/>
+                </a:solidFill>
+                <a:latin typeface="Arial" pitchFamily="34" charset="0"/>
+                <a:ea typeface="Arial" pitchFamily="34" charset="-122"/>
+                <a:cs typeface="Arial" pitchFamily="34" charset="-120"/>
+              </a:rPr>
+              <a:t>Checking the farmhand's work before using it</a:t>
+            </a:r>
+            <a:endParaRPr lang="en-US" sz="1400" dirty="0"/>
+          </a:p>
+        </p:txBody>
+      </p:sp>
+      <p:sp>
+        <p:nvSpPr>
+          <p:cNvPr id="19" name="Text 17"/>
+          <p:cNvSpPr/>
+          <p:nvPr/>
+        </p:nvSpPr>
+        <p:spPr>
+          <a:xfrm>
+            <a:off x="457200" y="2900809"/>
+            <a:ext cx="8229600" cy="593527"/>
+          </a:xfrm>
+          <a:prstGeom prst="rect">
+            <a:avLst/>
+          </a:prstGeom>
+          <a:solidFill>
+            <a:srgbClr val="F4F1DE"/>
+          </a:solidFill>
+          <a:ln/>
+        </p:spPr>
+        <p:txBody>
+          <a:bodyPr wrap="square" rtlCol="0" anchor="ctr"/>
+          <a:lstStyle/>
+          <a:p>
+            <a:pPr indent="0" marL="0">
+              <a:buNone/>
+            </a:pPr>
+            <a:endParaRPr lang="en-US" dirty="0"/>
+          </a:p>
+        </p:txBody>
+      </p:sp>
+      <p:sp>
+        <p:nvSpPr>
+          <p:cNvPr id="20" name="Shape 18"/>
+          <p:cNvSpPr/>
+          <p:nvPr/>
+        </p:nvSpPr>
+        <p:spPr>
+          <a:xfrm>
+            <a:off x="457200" y="3489573"/>
+            <a:ext cx="8229600" cy="0"/>
+          </a:xfrm>
+          <a:prstGeom prst="line">
+            <a:avLst/>
+          </a:prstGeom>
+          <a:noFill/>
+          <a:ln w="9525">
+            <a:solidFill>
+              <a:srgbClr val="CCCCCC"/>
+            </a:solidFill>
+            <a:prstDash val="solid"/>
+          </a:ln>
+        </p:spPr>
+      </p:sp>
+      <p:sp>
+        <p:nvSpPr>
+          <p:cNvPr id="21" name="Text 19"/>
+          <p:cNvSpPr/>
+          <p:nvPr/>
+        </p:nvSpPr>
+        <p:spPr>
+          <a:xfrm>
+            <a:off x="457200" y="2900809"/>
+            <a:ext cx="2046631" cy="520601"/>
+          </a:xfrm>
+          <a:prstGeom prst="rect">
+            <a:avLst/>
+          </a:prstGeom>
+          <a:noFill/>
+          <a:ln/>
+        </p:spPr>
+        <p:txBody>
+          <a:bodyPr wrap="square" lIns="88900" tIns="50800" rIns="88900" bIns="50800" rtlCol="0" anchor="t"/>
+          <a:lstStyle/>
+          <a:p>
+            <a:pPr algn="l" indent="0" marL="0">
+              <a:spcAft>
+                <a:spcPts val="500"/>
+              </a:spcAft>
+              <a:buNone/>
+            </a:pPr>
+            <a:r>
+              <a:rPr lang="en-US" sz="1400" b="1" dirty="0">
+                <a:solidFill>
+                  <a:srgbClr val="2C2C2C"/>
+                </a:solidFill>
+                <a:latin typeface="Arial" pitchFamily="34" charset="0"/>
+                <a:ea typeface="Arial" pitchFamily="34" charset="-122"/>
+                <a:cs typeface="Arial" pitchFamily="34" charset="-120"/>
+              </a:rPr>
+              <a:t>3. Refine</a:t>
+            </a:r>
+            <a:endParaRPr lang="en-US" sz="1400" dirty="0"/>
+          </a:p>
+        </p:txBody>
+      </p:sp>
+      <p:sp>
+        <p:nvSpPr>
+          <p:cNvPr id="22" name="Text 20"/>
+          <p:cNvSpPr/>
+          <p:nvPr/>
+        </p:nvSpPr>
+        <p:spPr>
+          <a:xfrm>
+            <a:off x="2463701" y="2900809"/>
+            <a:ext cx="3445663" cy="520601"/>
+          </a:xfrm>
+          <a:prstGeom prst="rect">
+            <a:avLst/>
+          </a:prstGeom>
+          <a:noFill/>
+          <a:ln/>
+        </p:spPr>
+        <p:txBody>
+          <a:bodyPr wrap="square" lIns="88900" tIns="50800" rIns="88900" bIns="50800" rtlCol="0" anchor="t"/>
+          <a:lstStyle/>
+          <a:p>
+            <a:pPr algn="l" indent="0" marL="0">
+              <a:spcAft>
+                <a:spcPts val="500"/>
+              </a:spcAft>
+              <a:buNone/>
+            </a:pPr>
+            <a:r>
+              <a:rPr lang="en-US" sz="1400" dirty="0">
+                <a:solidFill>
+                  <a:srgbClr val="2C2C2C"/>
+                </a:solidFill>
+                <a:latin typeface="Arial" pitchFamily="34" charset="0"/>
+                <a:ea typeface="Arial" pitchFamily="34" charset="-122"/>
+                <a:cs typeface="Arial" pitchFamily="34" charset="-120"/>
+              </a:rPr>
+              <a:t>Ask Spark to make changes or fix issues</a:t>
+            </a:r>
+            <a:endParaRPr lang="en-US" sz="1400" dirty="0"/>
+          </a:p>
+        </p:txBody>
+      </p:sp>
+      <p:sp>
+        <p:nvSpPr>
+          <p:cNvPr id="23" name="Text 21"/>
+          <p:cNvSpPr/>
+          <p:nvPr/>
+        </p:nvSpPr>
+        <p:spPr>
+          <a:xfrm>
+            <a:off x="5841802" y="2900809"/>
+            <a:ext cx="2901898" cy="520601"/>
+          </a:xfrm>
+          <a:prstGeom prst="rect">
+            <a:avLst/>
+          </a:prstGeom>
+          <a:noFill/>
+          <a:ln/>
+        </p:spPr>
+        <p:txBody>
+          <a:bodyPr wrap="square" lIns="88900" tIns="50800" rIns="88900" bIns="50800" rtlCol="0" anchor="t"/>
+          <a:lstStyle/>
+          <a:p>
+            <a:pPr algn="l" indent="0" marL="0">
+              <a:spcAft>
+                <a:spcPts val="500"/>
+              </a:spcAft>
+              <a:buNone/>
+            </a:pPr>
+            <a:r>
+              <a:rPr lang="en-US" sz="1400" dirty="0">
+                <a:solidFill>
+                  <a:srgbClr val="2C2C2C"/>
+                </a:solidFill>
+                <a:latin typeface="Arial" pitchFamily="34" charset="0"/>
+                <a:ea typeface="Arial" pitchFamily="34" charset="-122"/>
+                <a:cs typeface="Arial" pitchFamily="34" charset="-120"/>
+              </a:rPr>
+              <a:t>Giving feedback: “Make the handle longer”</a:t>
+            </a:r>
+            <a:endParaRPr lang="en-US" sz="1400" dirty="0"/>
+          </a:p>
+        </p:txBody>
+      </p:sp>
+      <p:sp>
+        <p:nvSpPr>
+          <p:cNvPr id="24" name="Text 22"/>
+          <p:cNvSpPr/>
+          <p:nvPr/>
+        </p:nvSpPr>
+        <p:spPr>
+          <a:xfrm>
+            <a:off x="457200" y="3545086"/>
+            <a:ext cx="8394192" cy="209550"/>
+          </a:xfrm>
+          <a:prstGeom prst="rect">
+            <a:avLst/>
+          </a:prstGeom>
+          <a:noFill/>
+          <a:ln/>
+        </p:spPr>
+        <p:txBody>
+          <a:bodyPr wrap="square" lIns="0" tIns="0" rIns="0" bIns="0" rtlCol="0" anchor="t"/>
+          <a:lstStyle/>
+          <a:p>
+            <a:pPr algn="l" indent="0" marL="0">
+              <a:spcAft>
+                <a:spcPts val="500"/>
+              </a:spcAft>
+              <a:buNone/>
+            </a:pPr>
+            <a:r>
+              <a:rPr lang="en-US" sz="1400" dirty="0">
+                <a:solidFill>
+                  <a:srgbClr val="2C2C2C"/>
+                </a:solidFill>
+                <a:latin typeface="Arial" pitchFamily="34" charset="0"/>
+                <a:ea typeface="Arial" pitchFamily="34" charset="-122"/>
+                <a:cs typeface="Arial" pitchFamily="34" charset="-120"/>
+              </a:rPr>
+              <a:t>You repeat steps 2 and 3 until the tool works the way you need.</a:t>
+            </a:r>
+            <a:endParaRPr lang="en-US" sz="1400" dirty="0"/>
+          </a:p>
+        </p:txBody>
+      </p:sp>
+      <p:sp>
+        <p:nvSpPr>
+          <p:cNvPr id="25" name="Text 23"/>
+          <p:cNvSpPr/>
+          <p:nvPr/>
+        </p:nvSpPr>
+        <p:spPr>
+          <a:xfrm>
+            <a:off x="457200" y="3818037"/>
+            <a:ext cx="8394192" cy="419100"/>
+          </a:xfrm>
+          <a:prstGeom prst="rect">
+            <a:avLst/>
+          </a:prstGeom>
+          <a:noFill/>
+          <a:ln/>
+        </p:spPr>
+        <p:txBody>
+          <a:bodyPr wrap="square" lIns="0" tIns="0" rIns="0" bIns="0" rtlCol="0" anchor="t"/>
+          <a:lstStyle/>
+          <a:p>
+            <a:pPr algn="l" indent="0" marL="0">
+              <a:spcAft>
+                <a:spcPts val="500"/>
+              </a:spcAft>
+              <a:buNone/>
+            </a:pPr>
+            <a:r>
+              <a:rPr lang="en-US" sz="1400" b="1" dirty="0">
+                <a:solidFill>
+                  <a:srgbClr val="2C2C2C"/>
+                </a:solidFill>
+                <a:latin typeface="Arial" pitchFamily="34" charset="0"/>
+                <a:ea typeface="Arial" pitchFamily="34" charset="-122"/>
+                <a:cs typeface="Arial" pitchFamily="34" charset="-120"/>
+              </a:rPr>
+              <a:t>This is the same prompt-evaluate-edit cycle you learned with Copilot — just applied to building tools instead of writing text.</a:t>
+            </a:r>
+            <a:endParaRPr lang="en-US" sz="1400" dirty="0"/>
           </a:p>
         </p:txBody>
       </p:sp>
@@ -10371,7 +14113,7 @@
     <p:bg>
       <p:bgPr>
         <a:solidFill>
-          <a:srgbClr val="FFFFFF"/>
+          <a:srgbClr val="F4F1DE"/>
         </a:solidFill>
       </p:bgPr>
     </p:bg>
@@ -10398,7 +14140,7 @@
         <p:spPr>
           <a:xfrm>
             <a:off x="0" y="0"/>
-            <a:ext cx="9144000" cy="863501"/>
+            <a:ext cx="9144000" cy="914102"/>
           </a:xfrm>
           <a:prstGeom prst="rect">
             <a:avLst/>
@@ -10427,7 +14169,7 @@
         </p:nvSpPr>
         <p:spPr>
           <a:xfrm>
-            <a:off x="355550" y="246013"/>
+            <a:off x="457200" y="271314"/>
             <a:ext cx="5157412" cy="371475"/>
           </a:xfrm>
           <a:prstGeom prst="rect">
@@ -10466,8 +14208,8 @@
         </p:nvSpPr>
         <p:spPr>
           <a:xfrm>
-            <a:off x="355550" y="1130052"/>
-            <a:ext cx="8601557" cy="325636"/>
+            <a:off x="457200" y="1041053"/>
+            <a:ext cx="8394192" cy="209550"/>
           </a:xfrm>
           <a:prstGeom prst="rect">
             <a:avLst/>
@@ -10480,29 +14222,550 @@
           <a:lstStyle/>
           <a:p>
             <a:pPr algn="l" indent="0" marL="0">
-              <a:lnSpc>
-                <a:spcPts val="2565"/>
-              </a:lnSpc>
-              <a:spcBef>
+              <a:spcAft>
                 <a:spcPts val="500"/>
-              </a:spcBef>
+              </a:spcAft>
+              <a:buNone/>
+            </a:pPr>
+            <a:r>
+              <a:rPr lang="en-US" sz="1400" b="1" dirty="0">
+                <a:solidFill>
+                  <a:srgbClr val="2C2C2C"/>
+                </a:solidFill>
+                <a:latin typeface="Arial" pitchFamily="34" charset="0"/>
+                <a:ea typeface="Arial" pitchFamily="34" charset="-122"/>
+                <a:cs typeface="Arial" pitchFamily="34" charset="-120"/>
+              </a:rPr>
+              <a:t>Describe what the tool DOES, what you PUT IN, and what you GET OUT.</a:t>
+            </a:r>
+            <a:endParaRPr lang="en-US" sz="1400" dirty="0"/>
+          </a:p>
+        </p:txBody>
+      </p:sp>
+      <p:sp>
+        <p:nvSpPr>
+          <p:cNvPr id="5" name="Text 3"/>
+          <p:cNvSpPr/>
+          <p:nvPr/>
+        </p:nvSpPr>
+        <p:spPr>
+          <a:xfrm>
+            <a:off x="457200" y="1314004"/>
+            <a:ext cx="8229600" cy="399752"/>
+          </a:xfrm>
+          <a:prstGeom prst="roundRect">
+            <a:avLst>
+              <a:gd name="adj" fmla="val 12708"/>
+            </a:avLst>
+          </a:prstGeom>
+          <a:solidFill>
+            <a:srgbClr val="1E5128"/>
+          </a:solidFill>
+          <a:ln/>
+        </p:spPr>
+        <p:txBody>
+          <a:bodyPr wrap="square" rtlCol="0" anchor="ctr"/>
+          <a:lstStyle/>
+          <a:p>
+            <a:pPr indent="0" marL="0">
+              <a:buNone/>
+            </a:pPr>
+            <a:endParaRPr lang="en-US" dirty="0"/>
+          </a:p>
+        </p:txBody>
+      </p:sp>
+      <p:sp>
+        <p:nvSpPr>
+          <p:cNvPr id="6" name="Text 4"/>
+          <p:cNvSpPr/>
+          <p:nvPr/>
+        </p:nvSpPr>
+        <p:spPr>
+          <a:xfrm>
+            <a:off x="457200" y="1314004"/>
+            <a:ext cx="2512975" cy="336352"/>
+          </a:xfrm>
+          <a:prstGeom prst="rect">
+            <a:avLst/>
+          </a:prstGeom>
+          <a:noFill/>
+          <a:ln/>
+        </p:spPr>
+        <p:txBody>
+          <a:bodyPr wrap="square" lIns="88900" tIns="63500" rIns="88900" bIns="63500" rtlCol="0" anchor="t"/>
+          <a:lstStyle/>
+          <a:p>
+            <a:pPr algn="l" indent="0" marL="0">
               <a:spcAft>
                 <a:spcPts val="500"/>
               </a:spcAft>
               <a:buNone/>
             </a:pPr>
             <a:r>
-              <a:rPr lang="en-US" sz="1900" b="1" dirty="0">
-                <a:solidFill>
-                  <a:srgbClr val="2C2C2C"/>
-                </a:solidFill>
-                <a:latin typeface="Arial" pitchFamily="34" charset="0"/>
-                <a:ea typeface="Arial" pitchFamily="34" charset="-122"/>
-                <a:cs typeface="Arial" pitchFamily="34" charset="-120"/>
-              </a:rPr>
-              <a:t>Describe what the tool DOES, what you PUT IN, and what you GET OUT.</a:t>
-            </a:r>
-            <a:endParaRPr lang="en-US" sz="1900" dirty="0"/>
+              <a:rPr lang="en-US" sz="1400" b="1" dirty="0">
+                <a:solidFill>
+                  <a:srgbClr val="2C2C2C"/>
+                </a:solidFill>
+                <a:latin typeface="Arial" pitchFamily="34" charset="0"/>
+                <a:ea typeface="Arial" pitchFamily="34" charset="-122"/>
+                <a:cs typeface="Arial" pitchFamily="34" charset="-120"/>
+              </a:rPr>
+              <a:t>Weak Prompt</a:t>
+            </a:r>
+            <a:endParaRPr lang="en-US" sz="1400" dirty="0"/>
+          </a:p>
+        </p:txBody>
+      </p:sp>
+      <p:sp>
+        <p:nvSpPr>
+          <p:cNvPr id="7" name="Text 5"/>
+          <p:cNvSpPr/>
+          <p:nvPr/>
+        </p:nvSpPr>
+        <p:spPr>
+          <a:xfrm>
+            <a:off x="2920901" y="1314004"/>
+            <a:ext cx="5881217" cy="336352"/>
+          </a:xfrm>
+          <a:prstGeom prst="rect">
+            <a:avLst/>
+          </a:prstGeom>
+          <a:noFill/>
+          <a:ln/>
+        </p:spPr>
+        <p:txBody>
+          <a:bodyPr wrap="square" lIns="88900" tIns="63500" rIns="88900" bIns="63500" rtlCol="0" anchor="t"/>
+          <a:lstStyle/>
+          <a:p>
+            <a:pPr algn="l" indent="0" marL="0">
+              <a:spcAft>
+                <a:spcPts val="500"/>
+              </a:spcAft>
+              <a:buNone/>
+            </a:pPr>
+            <a:r>
+              <a:rPr lang="en-US" sz="1400" b="1" dirty="0">
+                <a:solidFill>
+                  <a:srgbClr val="2C2C2C"/>
+                </a:solidFill>
+                <a:latin typeface="Arial" pitchFamily="34" charset="0"/>
+                <a:ea typeface="Arial" pitchFamily="34" charset="-122"/>
+                <a:cs typeface="Arial" pitchFamily="34" charset="-120"/>
+              </a:rPr>
+              <a:t>Strong Prompt</a:t>
+            </a:r>
+            <a:endParaRPr lang="en-US" sz="1400" dirty="0"/>
+          </a:p>
+        </p:txBody>
+      </p:sp>
+      <p:sp>
+        <p:nvSpPr>
+          <p:cNvPr id="8" name="Text 6"/>
+          <p:cNvSpPr/>
+          <p:nvPr/>
+        </p:nvSpPr>
+        <p:spPr>
+          <a:xfrm>
+            <a:off x="457200" y="1713756"/>
+            <a:ext cx="8229600" cy="593527"/>
+          </a:xfrm>
+          <a:prstGeom prst="rect">
+            <a:avLst/>
+          </a:prstGeom>
+          <a:solidFill>
+            <a:srgbClr val="F4F1DE"/>
+          </a:solidFill>
+          <a:ln/>
+        </p:spPr>
+        <p:txBody>
+          <a:bodyPr wrap="square" rtlCol="0" anchor="ctr"/>
+          <a:lstStyle/>
+          <a:p>
+            <a:pPr indent="0" marL="0">
+              <a:buNone/>
+            </a:pPr>
+            <a:endParaRPr lang="en-US" dirty="0"/>
+          </a:p>
+        </p:txBody>
+      </p:sp>
+      <p:sp>
+        <p:nvSpPr>
+          <p:cNvPr id="9" name="Shape 7"/>
+          <p:cNvSpPr/>
+          <p:nvPr/>
+        </p:nvSpPr>
+        <p:spPr>
+          <a:xfrm>
+            <a:off x="457200" y="2302520"/>
+            <a:ext cx="8229600" cy="0"/>
+          </a:xfrm>
+          <a:prstGeom prst="line">
+            <a:avLst/>
+          </a:prstGeom>
+          <a:noFill/>
+          <a:ln w="9525">
+            <a:solidFill>
+              <a:srgbClr val="CCCCCC"/>
+            </a:solidFill>
+            <a:prstDash val="solid"/>
+          </a:ln>
+        </p:spPr>
+      </p:sp>
+      <p:sp>
+        <p:nvSpPr>
+          <p:cNvPr id="10" name="Text 8"/>
+          <p:cNvSpPr/>
+          <p:nvPr/>
+        </p:nvSpPr>
+        <p:spPr>
+          <a:xfrm>
+            <a:off x="457200" y="1713756"/>
+            <a:ext cx="2512975" cy="520601"/>
+          </a:xfrm>
+          <a:prstGeom prst="rect">
+            <a:avLst/>
+          </a:prstGeom>
+          <a:noFill/>
+          <a:ln/>
+        </p:spPr>
+        <p:txBody>
+          <a:bodyPr wrap="square" lIns="88900" tIns="50800" rIns="88900" bIns="50800" rtlCol="0" anchor="t"/>
+          <a:lstStyle/>
+          <a:p>
+            <a:pPr algn="l" indent="0" marL="0">
+              <a:spcAft>
+                <a:spcPts val="500"/>
+              </a:spcAft>
+              <a:buNone/>
+            </a:pPr>
+            <a:r>
+              <a:rPr lang="en-US" sz="1400" dirty="0">
+                <a:solidFill>
+                  <a:srgbClr val="2C2C2C"/>
+                </a:solidFill>
+                <a:latin typeface="Arial" pitchFamily="34" charset="0"/>
+                <a:ea typeface="Arial" pitchFamily="34" charset="-122"/>
+                <a:cs typeface="Arial" pitchFamily="34" charset="-120"/>
+              </a:rPr>
+              <a:t>“seed calculator”</a:t>
+            </a:r>
+            <a:endParaRPr lang="en-US" sz="1400" dirty="0"/>
+          </a:p>
+        </p:txBody>
+      </p:sp>
+      <p:sp>
+        <p:nvSpPr>
+          <p:cNvPr id="11" name="Text 9"/>
+          <p:cNvSpPr/>
+          <p:nvPr/>
+        </p:nvSpPr>
+        <p:spPr>
+          <a:xfrm>
+            <a:off x="2920901" y="1713756"/>
+            <a:ext cx="5881217" cy="520601"/>
+          </a:xfrm>
+          <a:prstGeom prst="rect">
+            <a:avLst/>
+          </a:prstGeom>
+          <a:noFill/>
+          <a:ln/>
+        </p:spPr>
+        <p:txBody>
+          <a:bodyPr wrap="square" lIns="88900" tIns="50800" rIns="88900" bIns="50800" rtlCol="0" anchor="t"/>
+          <a:lstStyle/>
+          <a:p>
+            <a:pPr algn="l" indent="0" marL="0">
+              <a:spcAft>
+                <a:spcPts val="500"/>
+              </a:spcAft>
+              <a:buNone/>
+            </a:pPr>
+            <a:r>
+              <a:rPr lang="en-US" sz="1400" dirty="0">
+                <a:solidFill>
+                  <a:srgbClr val="2C2C2C"/>
+                </a:solidFill>
+                <a:latin typeface="Arial" pitchFamily="34" charset="0"/>
+                <a:ea typeface="Arial" pitchFamily="34" charset="-122"/>
+                <a:cs typeface="Arial" pitchFamily="34" charset="-120"/>
+              </a:rPr>
+              <a:t>“Build a seed order calculator: enter field size in acres and seeding rate. Calculate total seeds and number of 80,000-seed bags.”</a:t>
+            </a:r>
+            <a:endParaRPr lang="en-US" sz="1400" dirty="0"/>
+          </a:p>
+        </p:txBody>
+      </p:sp>
+      <p:sp>
+        <p:nvSpPr>
+          <p:cNvPr id="12" name="Text 10"/>
+          <p:cNvSpPr/>
+          <p:nvPr/>
+        </p:nvSpPr>
+        <p:spPr>
+          <a:xfrm>
+            <a:off x="457200" y="2307282"/>
+            <a:ext cx="8229600" cy="593527"/>
+          </a:xfrm>
+          <a:prstGeom prst="rect">
+            <a:avLst/>
+          </a:prstGeom>
+          <a:solidFill>
+            <a:srgbClr val="FFFFFF"/>
+          </a:solidFill>
+          <a:ln/>
+        </p:spPr>
+        <p:txBody>
+          <a:bodyPr wrap="square" rtlCol="0" anchor="ctr"/>
+          <a:lstStyle/>
+          <a:p>
+            <a:pPr indent="0" marL="0">
+              <a:buNone/>
+            </a:pPr>
+            <a:endParaRPr lang="en-US" dirty="0"/>
+          </a:p>
+        </p:txBody>
+      </p:sp>
+      <p:sp>
+        <p:nvSpPr>
+          <p:cNvPr id="13" name="Shape 11"/>
+          <p:cNvSpPr/>
+          <p:nvPr/>
+        </p:nvSpPr>
+        <p:spPr>
+          <a:xfrm>
+            <a:off x="457200" y="2896046"/>
+            <a:ext cx="8229600" cy="0"/>
+          </a:xfrm>
+          <a:prstGeom prst="line">
+            <a:avLst/>
+          </a:prstGeom>
+          <a:noFill/>
+          <a:ln w="9525">
+            <a:solidFill>
+              <a:srgbClr val="CCCCCC"/>
+            </a:solidFill>
+            <a:prstDash val="solid"/>
+          </a:ln>
+        </p:spPr>
+      </p:sp>
+      <p:sp>
+        <p:nvSpPr>
+          <p:cNvPr id="14" name="Text 12"/>
+          <p:cNvSpPr/>
+          <p:nvPr/>
+        </p:nvSpPr>
+        <p:spPr>
+          <a:xfrm>
+            <a:off x="457200" y="2307282"/>
+            <a:ext cx="2512975" cy="520601"/>
+          </a:xfrm>
+          <a:prstGeom prst="rect">
+            <a:avLst/>
+          </a:prstGeom>
+          <a:noFill/>
+          <a:ln/>
+        </p:spPr>
+        <p:txBody>
+          <a:bodyPr wrap="square" lIns="88900" tIns="50800" rIns="88900" bIns="50800" rtlCol="0" anchor="t"/>
+          <a:lstStyle/>
+          <a:p>
+            <a:pPr algn="l" indent="0" marL="0">
+              <a:spcAft>
+                <a:spcPts val="500"/>
+              </a:spcAft>
+              <a:buNone/>
+            </a:pPr>
+            <a:r>
+              <a:rPr lang="en-US" sz="1400" dirty="0">
+                <a:solidFill>
+                  <a:srgbClr val="2C2C2C"/>
+                </a:solidFill>
+                <a:latin typeface="Arial" pitchFamily="34" charset="0"/>
+                <a:ea typeface="Arial" pitchFamily="34" charset="-122"/>
+                <a:cs typeface="Arial" pitchFamily="34" charset="-120"/>
+              </a:rPr>
+              <a:t>“equipment list”</a:t>
+            </a:r>
+            <a:endParaRPr lang="en-US" sz="1400" dirty="0"/>
+          </a:p>
+        </p:txBody>
+      </p:sp>
+      <p:sp>
+        <p:nvSpPr>
+          <p:cNvPr id="15" name="Text 13"/>
+          <p:cNvSpPr/>
+          <p:nvPr/>
+        </p:nvSpPr>
+        <p:spPr>
+          <a:xfrm>
+            <a:off x="2920901" y="2307282"/>
+            <a:ext cx="5881217" cy="520601"/>
+          </a:xfrm>
+          <a:prstGeom prst="rect">
+            <a:avLst/>
+          </a:prstGeom>
+          <a:noFill/>
+          <a:ln/>
+        </p:spPr>
+        <p:txBody>
+          <a:bodyPr wrap="square" lIns="88900" tIns="50800" rIns="88900" bIns="50800" rtlCol="0" anchor="t"/>
+          <a:lstStyle/>
+          <a:p>
+            <a:pPr algn="l" indent="0" marL="0">
+              <a:spcAft>
+                <a:spcPts val="500"/>
+              </a:spcAft>
+              <a:buNone/>
+            </a:pPr>
+            <a:r>
+              <a:rPr lang="en-US" sz="1400" dirty="0">
+                <a:solidFill>
+                  <a:srgbClr val="2C2C2C"/>
+                </a:solidFill>
+                <a:latin typeface="Arial" pitchFamily="34" charset="0"/>
+                <a:ea typeface="Arial" pitchFamily="34" charset="-122"/>
+                <a:cs typeface="Arial" pitchFamily="34" charset="-120"/>
+              </a:rPr>
+              <a:t>“Build a checklist for pre-season equipment inspection. List tractor, combine, planter. Checkboxes for oil, tires, belts, safety.”</a:t>
+            </a:r>
+            <a:endParaRPr lang="en-US" sz="1400" dirty="0"/>
+          </a:p>
+        </p:txBody>
+      </p:sp>
+      <p:sp>
+        <p:nvSpPr>
+          <p:cNvPr id="16" name="Text 14"/>
+          <p:cNvSpPr/>
+          <p:nvPr/>
+        </p:nvSpPr>
+        <p:spPr>
+          <a:xfrm>
+            <a:off x="457200" y="2900809"/>
+            <a:ext cx="8229600" cy="593527"/>
+          </a:xfrm>
+          <a:prstGeom prst="rect">
+            <a:avLst/>
+          </a:prstGeom>
+          <a:solidFill>
+            <a:srgbClr val="F4F1DE"/>
+          </a:solidFill>
+          <a:ln/>
+        </p:spPr>
+        <p:txBody>
+          <a:bodyPr wrap="square" rtlCol="0" anchor="ctr"/>
+          <a:lstStyle/>
+          <a:p>
+            <a:pPr indent="0" marL="0">
+              <a:buNone/>
+            </a:pPr>
+            <a:endParaRPr lang="en-US" dirty="0"/>
+          </a:p>
+        </p:txBody>
+      </p:sp>
+      <p:sp>
+        <p:nvSpPr>
+          <p:cNvPr id="17" name="Shape 15"/>
+          <p:cNvSpPr/>
+          <p:nvPr/>
+        </p:nvSpPr>
+        <p:spPr>
+          <a:xfrm>
+            <a:off x="457200" y="3489573"/>
+            <a:ext cx="8229600" cy="0"/>
+          </a:xfrm>
+          <a:prstGeom prst="line">
+            <a:avLst/>
+          </a:prstGeom>
+          <a:noFill/>
+          <a:ln w="9525">
+            <a:solidFill>
+              <a:srgbClr val="CCCCCC"/>
+            </a:solidFill>
+            <a:prstDash val="solid"/>
+          </a:ln>
+        </p:spPr>
+      </p:sp>
+      <p:sp>
+        <p:nvSpPr>
+          <p:cNvPr id="18" name="Text 16"/>
+          <p:cNvSpPr/>
+          <p:nvPr/>
+        </p:nvSpPr>
+        <p:spPr>
+          <a:xfrm>
+            <a:off x="457200" y="2900809"/>
+            <a:ext cx="2512975" cy="520601"/>
+          </a:xfrm>
+          <a:prstGeom prst="rect">
+            <a:avLst/>
+          </a:prstGeom>
+          <a:noFill/>
+          <a:ln/>
+        </p:spPr>
+        <p:txBody>
+          <a:bodyPr wrap="square" lIns="88900" tIns="50800" rIns="88900" bIns="50800" rtlCol="0" anchor="t"/>
+          <a:lstStyle/>
+          <a:p>
+            <a:pPr algn="l" indent="0" marL="0">
+              <a:spcAft>
+                <a:spcPts val="500"/>
+              </a:spcAft>
+              <a:buNone/>
+            </a:pPr>
+            <a:r>
+              <a:rPr lang="en-US" sz="1400" dirty="0">
+                <a:solidFill>
+                  <a:srgbClr val="2C2C2C"/>
+                </a:solidFill>
+                <a:latin typeface="Arial" pitchFamily="34" charset="0"/>
+                <a:ea typeface="Arial" pitchFamily="34" charset="-122"/>
+                <a:cs typeface="Arial" pitchFamily="34" charset="-120"/>
+              </a:rPr>
+              <a:t>“animal log”</a:t>
+            </a:r>
+            <a:endParaRPr lang="en-US" sz="1400" dirty="0"/>
+          </a:p>
+        </p:txBody>
+      </p:sp>
+      <p:sp>
+        <p:nvSpPr>
+          <p:cNvPr id="19" name="Text 17"/>
+          <p:cNvSpPr/>
+          <p:nvPr/>
+        </p:nvSpPr>
+        <p:spPr>
+          <a:xfrm>
+            <a:off x="2920901" y="2900809"/>
+            <a:ext cx="5881217" cy="520601"/>
+          </a:xfrm>
+          <a:prstGeom prst="rect">
+            <a:avLst/>
+          </a:prstGeom>
+          <a:noFill/>
+          <a:ln/>
+        </p:spPr>
+        <p:txBody>
+          <a:bodyPr wrap="square" lIns="88900" tIns="50800" rIns="88900" bIns="50800" rtlCol="0" anchor="t"/>
+          <a:lstStyle/>
+          <a:p>
+            <a:pPr algn="l" indent="0" marL="0">
+              <a:spcAft>
+                <a:spcPts val="500"/>
+              </a:spcAft>
+              <a:buNone/>
+            </a:pPr>
+            <a:r>
+              <a:rPr lang="en-US" sz="1400" dirty="0">
+                <a:solidFill>
+                  <a:srgbClr val="2C2C2C"/>
+                </a:solidFill>
+                <a:latin typeface="Arial" pitchFamily="34" charset="0"/>
+                <a:ea typeface="Arial" pitchFamily="34" charset="-122"/>
+                <a:cs typeface="Arial" pitchFamily="34" charset="-120"/>
+              </a:rPr>
+              <a:t>“Build a daily livestock health log: select animal ID, enter date, check appetite/movement/temp, type notes. Save entries in a list.”</a:t>
+            </a:r>
+            <a:endParaRPr lang="en-US" sz="1400" dirty="0"/>
           </a:p>
         </p:txBody>
       </p:sp>
